--- a/paper/images/clientserverflow.pptx
+++ b/paper/images/clientserverflow.pptx
@@ -1,19 +1,114 @@
 
 <file path=ppt/presentation.xml><?xml version="1.0" encoding="utf-8"?>
-<p:presentation xmlns:a="http://schemas.openxmlformats.org/drawingml/2006/main" xmlns:p="http://schemas.openxmlformats.org/presentationml/2006/main" xmlns:r="http://schemas.openxmlformats.org/officeDocument/2006/relationships">
+<p:presentation xmlns:a="http://schemas.openxmlformats.org/drawingml/2006/main" xmlns:r="http://schemas.openxmlformats.org/officeDocument/2006/relationships" xmlns:p="http://schemas.openxmlformats.org/presentationml/2006/main">
   <p:sldMasterIdLst>
-    <p:sldMasterId id="2147483648" r:id="rId2"/>
+    <p:sldMasterId id="2147483648" r:id="rId1"/>
   </p:sldMasterIdLst>
   <p:sldIdLst>
-    <p:sldId id="256" r:id="rId3"/>
+    <p:sldId id="256" r:id="rId2"/>
   </p:sldIdLst>
   <p:sldSz cx="10080625" cy="7559675"/>
   <p:notesSz cx="7772400" cy="10058400"/>
+  <p:defaultTextStyle>
+    <a:defPPr>
+      <a:defRPr lang="en-US"/>
+    </a:defPPr>
+    <a:lvl1pPr marL="0" algn="l" defTabSz="914400" rtl="0" eaLnBrk="1" latinLnBrk="0" hangingPunct="1">
+      <a:defRPr sz="1800" kern="1200">
+        <a:solidFill>
+          <a:schemeClr val="tx1"/>
+        </a:solidFill>
+        <a:latin typeface="+mn-lt"/>
+        <a:ea typeface="+mn-ea"/>
+        <a:cs typeface="+mn-cs"/>
+      </a:defRPr>
+    </a:lvl1pPr>
+    <a:lvl2pPr marL="457200" algn="l" defTabSz="914400" rtl="0" eaLnBrk="1" latinLnBrk="0" hangingPunct="1">
+      <a:defRPr sz="1800" kern="1200">
+        <a:solidFill>
+          <a:schemeClr val="tx1"/>
+        </a:solidFill>
+        <a:latin typeface="+mn-lt"/>
+        <a:ea typeface="+mn-ea"/>
+        <a:cs typeface="+mn-cs"/>
+      </a:defRPr>
+    </a:lvl2pPr>
+    <a:lvl3pPr marL="914400" algn="l" defTabSz="914400" rtl="0" eaLnBrk="1" latinLnBrk="0" hangingPunct="1">
+      <a:defRPr sz="1800" kern="1200">
+        <a:solidFill>
+          <a:schemeClr val="tx1"/>
+        </a:solidFill>
+        <a:latin typeface="+mn-lt"/>
+        <a:ea typeface="+mn-ea"/>
+        <a:cs typeface="+mn-cs"/>
+      </a:defRPr>
+    </a:lvl3pPr>
+    <a:lvl4pPr marL="1371600" algn="l" defTabSz="914400" rtl="0" eaLnBrk="1" latinLnBrk="0" hangingPunct="1">
+      <a:defRPr sz="1800" kern="1200">
+        <a:solidFill>
+          <a:schemeClr val="tx1"/>
+        </a:solidFill>
+        <a:latin typeface="+mn-lt"/>
+        <a:ea typeface="+mn-ea"/>
+        <a:cs typeface="+mn-cs"/>
+      </a:defRPr>
+    </a:lvl4pPr>
+    <a:lvl5pPr marL="1828800" algn="l" defTabSz="914400" rtl="0" eaLnBrk="1" latinLnBrk="0" hangingPunct="1">
+      <a:defRPr sz="1800" kern="1200">
+        <a:solidFill>
+          <a:schemeClr val="tx1"/>
+        </a:solidFill>
+        <a:latin typeface="+mn-lt"/>
+        <a:ea typeface="+mn-ea"/>
+        <a:cs typeface="+mn-cs"/>
+      </a:defRPr>
+    </a:lvl5pPr>
+    <a:lvl6pPr marL="2286000" algn="l" defTabSz="914400" rtl="0" eaLnBrk="1" latinLnBrk="0" hangingPunct="1">
+      <a:defRPr sz="1800" kern="1200">
+        <a:solidFill>
+          <a:schemeClr val="tx1"/>
+        </a:solidFill>
+        <a:latin typeface="+mn-lt"/>
+        <a:ea typeface="+mn-ea"/>
+        <a:cs typeface="+mn-cs"/>
+      </a:defRPr>
+    </a:lvl6pPr>
+    <a:lvl7pPr marL="2743200" algn="l" defTabSz="914400" rtl="0" eaLnBrk="1" latinLnBrk="0" hangingPunct="1">
+      <a:defRPr sz="1800" kern="1200">
+        <a:solidFill>
+          <a:schemeClr val="tx1"/>
+        </a:solidFill>
+        <a:latin typeface="+mn-lt"/>
+        <a:ea typeface="+mn-ea"/>
+        <a:cs typeface="+mn-cs"/>
+      </a:defRPr>
+    </a:lvl7pPr>
+    <a:lvl8pPr marL="3200400" algn="l" defTabSz="914400" rtl="0" eaLnBrk="1" latinLnBrk="0" hangingPunct="1">
+      <a:defRPr sz="1800" kern="1200">
+        <a:solidFill>
+          <a:schemeClr val="tx1"/>
+        </a:solidFill>
+        <a:latin typeface="+mn-lt"/>
+        <a:ea typeface="+mn-ea"/>
+        <a:cs typeface="+mn-cs"/>
+      </a:defRPr>
+    </a:lvl8pPr>
+    <a:lvl9pPr marL="3657600" algn="l" defTabSz="914400" rtl="0" eaLnBrk="1" latinLnBrk="0" hangingPunct="1">
+      <a:defRPr sz="1800" kern="1200">
+        <a:solidFill>
+          <a:schemeClr val="tx1"/>
+        </a:solidFill>
+        <a:latin typeface="+mn-lt"/>
+        <a:ea typeface="+mn-ea"/>
+        <a:cs typeface="+mn-cs"/>
+      </a:defRPr>
+    </a:lvl9pPr>
+  </p:defaultTextStyle>
 </p:presentation>
 </file>
 
 <file path=ppt/slideLayouts/slideLayout1.xml><?xml version="1.0" encoding="utf-8"?>
-<p:sldLayout xmlns:a="http://schemas.openxmlformats.org/drawingml/2006/main" xmlns:p="http://schemas.openxmlformats.org/presentationml/2006/main" xmlns:r="http://schemas.openxmlformats.org/officeDocument/2006/relationships" preserve="1" type="blank">
+<p:sldLayout xmlns:a="http://schemas.openxmlformats.org/drawingml/2006/main" xmlns:r="http://schemas.openxmlformats.org/officeDocument/2006/relationships" xmlns:p="http://schemas.openxmlformats.org/presentationml/2006/main" type="blank" preserve="1">
   <p:cSld name="Blank Slide">
     <p:spTree>
       <p:nvGrpSpPr>
@@ -31,11 +126,14 @@
       </p:grpSpPr>
     </p:spTree>
   </p:cSld>
+  <p:clrMapOvr>
+    <a:masterClrMapping/>
+  </p:clrMapOvr>
 </p:sldLayout>
 </file>
 
 <file path=ppt/slideLayouts/slideLayout10.xml><?xml version="1.0" encoding="utf-8"?>
-<p:sldLayout xmlns:a="http://schemas.openxmlformats.org/drawingml/2006/main" xmlns:p="http://schemas.openxmlformats.org/presentationml/2006/main" xmlns:r="http://schemas.openxmlformats.org/officeDocument/2006/relationships" preserve="1" type="objOverTx">
+<p:sldLayout xmlns:a="http://schemas.openxmlformats.org/drawingml/2006/main" xmlns:r="http://schemas.openxmlformats.org/officeDocument/2006/relationships" xmlns:p="http://schemas.openxmlformats.org/presentationml/2006/main" type="objOverTx" preserve="1">
   <p:cSld name="Title, Content over Content">
     <p:spTree>
       <p:nvGrpSpPr>
@@ -71,7 +169,8 @@
           </a:prstGeom>
         </p:spPr>
         <p:txBody>
-          <a:bodyPr anchor="ctr" bIns="0" lIns="0" rIns="0" tIns="0" wrap="none"/>
+          <a:bodyPr wrap="none" lIns="0" tIns="0" rIns="0" bIns="0" anchor="ctr"/>
+          <a:lstStyle/>
           <a:p>
             <a:pPr algn="ctr"/>
             <a:endParaRPr/>
@@ -98,7 +197,8 @@
           </a:prstGeom>
         </p:spPr>
         <p:txBody>
-          <a:bodyPr bIns="0" lIns="0" rIns="0" tIns="0" wrap="none"/>
+          <a:bodyPr wrap="none" lIns="0" tIns="0" rIns="0" bIns="0"/>
+          <a:lstStyle/>
           <a:p>
             <a:endParaRPr/>
           </a:p>
@@ -124,7 +224,8 @@
           </a:prstGeom>
         </p:spPr>
         <p:txBody>
-          <a:bodyPr bIns="0" lIns="0" rIns="0" tIns="0" wrap="none"/>
+          <a:bodyPr wrap="none" lIns="0" tIns="0" rIns="0" bIns="0"/>
+          <a:lstStyle/>
           <a:p>
             <a:endParaRPr/>
           </a:p>
@@ -132,11 +233,14 @@
       </p:sp>
     </p:spTree>
   </p:cSld>
+  <p:clrMapOvr>
+    <a:masterClrMapping/>
+  </p:clrMapOvr>
 </p:sldLayout>
 </file>
 
 <file path=ppt/slideLayouts/slideLayout11.xml><?xml version="1.0" encoding="utf-8"?>
-<p:sldLayout xmlns:a="http://schemas.openxmlformats.org/drawingml/2006/main" xmlns:p="http://schemas.openxmlformats.org/presentationml/2006/main" xmlns:r="http://schemas.openxmlformats.org/officeDocument/2006/relationships" preserve="1" type="fourObj">
+<p:sldLayout xmlns:a="http://schemas.openxmlformats.org/drawingml/2006/main" xmlns:r="http://schemas.openxmlformats.org/officeDocument/2006/relationships" xmlns:p="http://schemas.openxmlformats.org/presentationml/2006/main" type="fourObj" preserve="1">
   <p:cSld name="Title, 4 Content">
     <p:spTree>
       <p:nvGrpSpPr>
@@ -172,7 +276,8 @@
           </a:prstGeom>
         </p:spPr>
         <p:txBody>
-          <a:bodyPr anchor="ctr" bIns="0" lIns="0" rIns="0" tIns="0" wrap="none"/>
+          <a:bodyPr wrap="none" lIns="0" tIns="0" rIns="0" bIns="0" anchor="ctr"/>
+          <a:lstStyle/>
           <a:p>
             <a:pPr algn="ctr"/>
             <a:endParaRPr/>
@@ -199,7 +304,8 @@
           </a:prstGeom>
         </p:spPr>
         <p:txBody>
-          <a:bodyPr bIns="0" lIns="0" rIns="0" tIns="0" wrap="none"/>
+          <a:bodyPr wrap="none" lIns="0" tIns="0" rIns="0" bIns="0"/>
+          <a:lstStyle/>
           <a:p>
             <a:endParaRPr/>
           </a:p>
@@ -225,7 +331,8 @@
           </a:prstGeom>
         </p:spPr>
         <p:txBody>
-          <a:bodyPr bIns="0" lIns="0" rIns="0" tIns="0" wrap="none"/>
+          <a:bodyPr wrap="none" lIns="0" tIns="0" rIns="0" bIns="0"/>
+          <a:lstStyle/>
           <a:p>
             <a:endParaRPr/>
           </a:p>
@@ -251,7 +358,8 @@
           </a:prstGeom>
         </p:spPr>
         <p:txBody>
-          <a:bodyPr bIns="0" lIns="0" rIns="0" tIns="0" wrap="none"/>
+          <a:bodyPr wrap="none" lIns="0" tIns="0" rIns="0" bIns="0"/>
+          <a:lstStyle/>
           <a:p>
             <a:endParaRPr/>
           </a:p>
@@ -277,7 +385,8 @@
           </a:prstGeom>
         </p:spPr>
         <p:txBody>
-          <a:bodyPr bIns="0" lIns="0" rIns="0" tIns="0" wrap="none"/>
+          <a:bodyPr wrap="none" lIns="0" tIns="0" rIns="0" bIns="0"/>
+          <a:lstStyle/>
           <a:p>
             <a:endParaRPr/>
           </a:p>
@@ -285,11 +394,14 @@
       </p:sp>
     </p:spTree>
   </p:cSld>
+  <p:clrMapOvr>
+    <a:masterClrMapping/>
+  </p:clrMapOvr>
 </p:sldLayout>
 </file>
 
 <file path=ppt/slideLayouts/slideLayout12.xml><?xml version="1.0" encoding="utf-8"?>
-<p:sldLayout xmlns:a="http://schemas.openxmlformats.org/drawingml/2006/main" xmlns:p="http://schemas.openxmlformats.org/presentationml/2006/main" xmlns:r="http://schemas.openxmlformats.org/officeDocument/2006/relationships" preserve="1" type="blank">
+<p:sldLayout xmlns:a="http://schemas.openxmlformats.org/drawingml/2006/main" xmlns:r="http://schemas.openxmlformats.org/officeDocument/2006/relationships" xmlns:p="http://schemas.openxmlformats.org/presentationml/2006/main" type="blank" preserve="1">
   <p:cSld name="Title, 6 Content">
     <p:spTree>
       <p:nvGrpSpPr>
@@ -325,7 +437,8 @@
           </a:prstGeom>
         </p:spPr>
         <p:txBody>
-          <a:bodyPr anchor="ctr" bIns="0" lIns="0" rIns="0" tIns="0" wrap="none"/>
+          <a:bodyPr wrap="none" lIns="0" tIns="0" rIns="0" bIns="0" anchor="ctr"/>
+          <a:lstStyle/>
           <a:p>
             <a:pPr algn="ctr"/>
             <a:endParaRPr/>
@@ -352,7 +465,8 @@
           </a:prstGeom>
         </p:spPr>
         <p:txBody>
-          <a:bodyPr bIns="0" lIns="0" rIns="0" tIns="0" wrap="none"/>
+          <a:bodyPr wrap="none" lIns="0" tIns="0" rIns="0" bIns="0"/>
+          <a:lstStyle/>
           <a:p>
             <a:endParaRPr/>
           </a:p>
@@ -378,7 +492,8 @@
           </a:prstGeom>
         </p:spPr>
         <p:txBody>
-          <a:bodyPr bIns="0" lIns="0" rIns="0" tIns="0" wrap="none"/>
+          <a:bodyPr wrap="none" lIns="0" tIns="0" rIns="0" bIns="0"/>
+          <a:lstStyle/>
           <a:p>
             <a:endParaRPr/>
           </a:p>
@@ -386,11 +501,14 @@
       </p:sp>
     </p:spTree>
   </p:cSld>
+  <p:clrMapOvr>
+    <a:masterClrMapping/>
+  </p:clrMapOvr>
 </p:sldLayout>
 </file>
 
 <file path=ppt/slideLayouts/slideLayout2.xml><?xml version="1.0" encoding="utf-8"?>
-<p:sldLayout xmlns:a="http://schemas.openxmlformats.org/drawingml/2006/main" xmlns:p="http://schemas.openxmlformats.org/presentationml/2006/main" xmlns:r="http://schemas.openxmlformats.org/officeDocument/2006/relationships" preserve="1" type="tx">
+<p:sldLayout xmlns:a="http://schemas.openxmlformats.org/drawingml/2006/main" xmlns:r="http://schemas.openxmlformats.org/officeDocument/2006/relationships" xmlns:p="http://schemas.openxmlformats.org/presentationml/2006/main" type="tx" preserve="1">
   <p:cSld name="Title Slide">
     <p:spTree>
       <p:nvGrpSpPr>
@@ -426,7 +544,8 @@
           </a:prstGeom>
         </p:spPr>
         <p:txBody>
-          <a:bodyPr anchor="ctr" bIns="0" lIns="0" rIns="0" tIns="0" wrap="none"/>
+          <a:bodyPr wrap="none" lIns="0" tIns="0" rIns="0" bIns="0" anchor="ctr"/>
+          <a:lstStyle/>
           <a:p>
             <a:pPr algn="ctr"/>
             <a:endParaRPr/>
@@ -453,7 +572,8 @@
           </a:prstGeom>
         </p:spPr>
         <p:txBody>
-          <a:bodyPr anchor="ctr" bIns="0" lIns="0" rIns="0" tIns="0" wrap="none"/>
+          <a:bodyPr wrap="none" lIns="0" tIns="0" rIns="0" bIns="0" anchor="ctr"/>
+          <a:lstStyle/>
           <a:p>
             <a:pPr algn="ctr"/>
             <a:endParaRPr/>
@@ -462,11 +582,14 @@
       </p:sp>
     </p:spTree>
   </p:cSld>
+  <p:clrMapOvr>
+    <a:masterClrMapping/>
+  </p:clrMapOvr>
 </p:sldLayout>
 </file>
 
 <file path=ppt/slideLayouts/slideLayout3.xml><?xml version="1.0" encoding="utf-8"?>
-<p:sldLayout xmlns:a="http://schemas.openxmlformats.org/drawingml/2006/main" xmlns:p="http://schemas.openxmlformats.org/presentationml/2006/main" xmlns:r="http://schemas.openxmlformats.org/officeDocument/2006/relationships" preserve="1" type="obj">
+<p:sldLayout xmlns:a="http://schemas.openxmlformats.org/drawingml/2006/main" xmlns:r="http://schemas.openxmlformats.org/officeDocument/2006/relationships" xmlns:p="http://schemas.openxmlformats.org/presentationml/2006/main" type="obj" preserve="1">
   <p:cSld name="Title, Content">
     <p:spTree>
       <p:nvGrpSpPr>
@@ -502,7 +625,8 @@
           </a:prstGeom>
         </p:spPr>
         <p:txBody>
-          <a:bodyPr anchor="ctr" bIns="0" lIns="0" rIns="0" tIns="0" wrap="none"/>
+          <a:bodyPr wrap="none" lIns="0" tIns="0" rIns="0" bIns="0" anchor="ctr"/>
+          <a:lstStyle/>
           <a:p>
             <a:pPr algn="ctr"/>
             <a:endParaRPr/>
@@ -529,7 +653,8 @@
           </a:prstGeom>
         </p:spPr>
         <p:txBody>
-          <a:bodyPr bIns="0" lIns="0" rIns="0" tIns="0" wrap="none"/>
+          <a:bodyPr wrap="none" lIns="0" tIns="0" rIns="0" bIns="0"/>
+          <a:lstStyle/>
           <a:p>
             <a:endParaRPr/>
           </a:p>
@@ -537,11 +662,14 @@
       </p:sp>
     </p:spTree>
   </p:cSld>
+  <p:clrMapOvr>
+    <a:masterClrMapping/>
+  </p:clrMapOvr>
 </p:sldLayout>
 </file>
 
 <file path=ppt/slideLayouts/slideLayout4.xml><?xml version="1.0" encoding="utf-8"?>
-<p:sldLayout xmlns:a="http://schemas.openxmlformats.org/drawingml/2006/main" xmlns:p="http://schemas.openxmlformats.org/presentationml/2006/main" xmlns:r="http://schemas.openxmlformats.org/officeDocument/2006/relationships" preserve="1" type="twoObj">
+<p:sldLayout xmlns:a="http://schemas.openxmlformats.org/drawingml/2006/main" xmlns:r="http://schemas.openxmlformats.org/officeDocument/2006/relationships" xmlns:p="http://schemas.openxmlformats.org/presentationml/2006/main" type="twoObj" preserve="1">
   <p:cSld name="Title, 2 Content">
     <p:spTree>
       <p:nvGrpSpPr>
@@ -577,7 +705,8 @@
           </a:prstGeom>
         </p:spPr>
         <p:txBody>
-          <a:bodyPr anchor="ctr" bIns="0" lIns="0" rIns="0" tIns="0" wrap="none"/>
+          <a:bodyPr wrap="none" lIns="0" tIns="0" rIns="0" bIns="0" anchor="ctr"/>
+          <a:lstStyle/>
           <a:p>
             <a:pPr algn="ctr"/>
             <a:endParaRPr/>
@@ -604,7 +733,8 @@
           </a:prstGeom>
         </p:spPr>
         <p:txBody>
-          <a:bodyPr bIns="0" lIns="0" rIns="0" tIns="0" wrap="none"/>
+          <a:bodyPr wrap="none" lIns="0" tIns="0" rIns="0" bIns="0"/>
+          <a:lstStyle/>
           <a:p>
             <a:endParaRPr/>
           </a:p>
@@ -630,7 +760,8 @@
           </a:prstGeom>
         </p:spPr>
         <p:txBody>
-          <a:bodyPr bIns="0" lIns="0" rIns="0" tIns="0" wrap="none"/>
+          <a:bodyPr wrap="none" lIns="0" tIns="0" rIns="0" bIns="0"/>
+          <a:lstStyle/>
           <a:p>
             <a:endParaRPr/>
           </a:p>
@@ -638,11 +769,14 @@
       </p:sp>
     </p:spTree>
   </p:cSld>
+  <p:clrMapOvr>
+    <a:masterClrMapping/>
+  </p:clrMapOvr>
 </p:sldLayout>
 </file>
 
 <file path=ppt/slideLayouts/slideLayout5.xml><?xml version="1.0" encoding="utf-8"?>
-<p:sldLayout xmlns:a="http://schemas.openxmlformats.org/drawingml/2006/main" xmlns:p="http://schemas.openxmlformats.org/presentationml/2006/main" xmlns:r="http://schemas.openxmlformats.org/officeDocument/2006/relationships" preserve="1" type="titleOnly">
+<p:sldLayout xmlns:a="http://schemas.openxmlformats.org/drawingml/2006/main" xmlns:r="http://schemas.openxmlformats.org/officeDocument/2006/relationships" xmlns:p="http://schemas.openxmlformats.org/presentationml/2006/main" type="titleOnly" preserve="1">
   <p:cSld name="Title Only">
     <p:spTree>
       <p:nvGrpSpPr>
@@ -678,7 +812,8 @@
           </a:prstGeom>
         </p:spPr>
         <p:txBody>
-          <a:bodyPr anchor="ctr" bIns="0" lIns="0" rIns="0" tIns="0" wrap="none"/>
+          <a:bodyPr wrap="none" lIns="0" tIns="0" rIns="0" bIns="0" anchor="ctr"/>
+          <a:lstStyle/>
           <a:p>
             <a:pPr algn="ctr"/>
             <a:endParaRPr/>
@@ -687,11 +822,14 @@
       </p:sp>
     </p:spTree>
   </p:cSld>
+  <p:clrMapOvr>
+    <a:masterClrMapping/>
+  </p:clrMapOvr>
 </p:sldLayout>
 </file>
 
 <file path=ppt/slideLayouts/slideLayout6.xml><?xml version="1.0" encoding="utf-8"?>
-<p:sldLayout xmlns:a="http://schemas.openxmlformats.org/drawingml/2006/main" xmlns:p="http://schemas.openxmlformats.org/presentationml/2006/main" xmlns:r="http://schemas.openxmlformats.org/officeDocument/2006/relationships" preserve="1" type="objOnly">
+<p:sldLayout xmlns:a="http://schemas.openxmlformats.org/drawingml/2006/main" xmlns:r="http://schemas.openxmlformats.org/officeDocument/2006/relationships" xmlns:p="http://schemas.openxmlformats.org/presentationml/2006/main" type="objOnly" preserve="1">
   <p:cSld name="Centered Text">
     <p:spTree>
       <p:nvGrpSpPr>
@@ -727,7 +865,8 @@
           </a:prstGeom>
         </p:spPr>
         <p:txBody>
-          <a:bodyPr anchor="ctr" bIns="0" lIns="0" rIns="0" tIns="0" wrap="none"/>
+          <a:bodyPr wrap="none" lIns="0" tIns="0" rIns="0" bIns="0" anchor="ctr"/>
+          <a:lstStyle/>
           <a:p>
             <a:pPr algn="ctr"/>
             <a:endParaRPr/>
@@ -736,11 +875,14 @@
       </p:sp>
     </p:spTree>
   </p:cSld>
+  <p:clrMapOvr>
+    <a:masterClrMapping/>
+  </p:clrMapOvr>
 </p:sldLayout>
 </file>
 
 <file path=ppt/slideLayouts/slideLayout7.xml><?xml version="1.0" encoding="utf-8"?>
-<p:sldLayout xmlns:a="http://schemas.openxmlformats.org/drawingml/2006/main" xmlns:p="http://schemas.openxmlformats.org/presentationml/2006/main" xmlns:r="http://schemas.openxmlformats.org/officeDocument/2006/relationships" preserve="1" type="twoObjAndObj">
+<p:sldLayout xmlns:a="http://schemas.openxmlformats.org/drawingml/2006/main" xmlns:r="http://schemas.openxmlformats.org/officeDocument/2006/relationships" xmlns:p="http://schemas.openxmlformats.org/presentationml/2006/main" type="twoObjAndObj" preserve="1">
   <p:cSld name="Title, 2 Content and Content">
     <p:spTree>
       <p:nvGrpSpPr>
@@ -776,7 +918,8 @@
           </a:prstGeom>
         </p:spPr>
         <p:txBody>
-          <a:bodyPr anchor="ctr" bIns="0" lIns="0" rIns="0" tIns="0" wrap="none"/>
+          <a:bodyPr wrap="none" lIns="0" tIns="0" rIns="0" bIns="0" anchor="ctr"/>
+          <a:lstStyle/>
           <a:p>
             <a:pPr algn="ctr"/>
             <a:endParaRPr/>
@@ -803,7 +946,8 @@
           </a:prstGeom>
         </p:spPr>
         <p:txBody>
-          <a:bodyPr bIns="0" lIns="0" rIns="0" tIns="0" wrap="none"/>
+          <a:bodyPr wrap="none" lIns="0" tIns="0" rIns="0" bIns="0"/>
+          <a:lstStyle/>
           <a:p>
             <a:endParaRPr/>
           </a:p>
@@ -829,7 +973,8 @@
           </a:prstGeom>
         </p:spPr>
         <p:txBody>
-          <a:bodyPr bIns="0" lIns="0" rIns="0" tIns="0" wrap="none"/>
+          <a:bodyPr wrap="none" lIns="0" tIns="0" rIns="0" bIns="0"/>
+          <a:lstStyle/>
           <a:p>
             <a:endParaRPr/>
           </a:p>
@@ -855,7 +1000,8 @@
           </a:prstGeom>
         </p:spPr>
         <p:txBody>
-          <a:bodyPr bIns="0" lIns="0" rIns="0" tIns="0" wrap="none"/>
+          <a:bodyPr wrap="none" lIns="0" tIns="0" rIns="0" bIns="0"/>
+          <a:lstStyle/>
           <a:p>
             <a:endParaRPr/>
           </a:p>
@@ -863,11 +1009,14 @@
       </p:sp>
     </p:spTree>
   </p:cSld>
+  <p:clrMapOvr>
+    <a:masterClrMapping/>
+  </p:clrMapOvr>
 </p:sldLayout>
 </file>
 
 <file path=ppt/slideLayouts/slideLayout8.xml><?xml version="1.0" encoding="utf-8"?>
-<p:sldLayout xmlns:a="http://schemas.openxmlformats.org/drawingml/2006/main" xmlns:p="http://schemas.openxmlformats.org/presentationml/2006/main" xmlns:r="http://schemas.openxmlformats.org/officeDocument/2006/relationships" preserve="1" type="objAndTwoObj">
+<p:sldLayout xmlns:a="http://schemas.openxmlformats.org/drawingml/2006/main" xmlns:r="http://schemas.openxmlformats.org/officeDocument/2006/relationships" xmlns:p="http://schemas.openxmlformats.org/presentationml/2006/main" type="objAndTwoObj" preserve="1">
   <p:cSld name="Title Content and 2 Content">
     <p:spTree>
       <p:nvGrpSpPr>
@@ -903,7 +1052,8 @@
           </a:prstGeom>
         </p:spPr>
         <p:txBody>
-          <a:bodyPr anchor="ctr" bIns="0" lIns="0" rIns="0" tIns="0" wrap="none"/>
+          <a:bodyPr wrap="none" lIns="0" tIns="0" rIns="0" bIns="0" anchor="ctr"/>
+          <a:lstStyle/>
           <a:p>
             <a:pPr algn="ctr"/>
             <a:endParaRPr/>
@@ -930,7 +1080,8 @@
           </a:prstGeom>
         </p:spPr>
         <p:txBody>
-          <a:bodyPr bIns="0" lIns="0" rIns="0" tIns="0" wrap="none"/>
+          <a:bodyPr wrap="none" lIns="0" tIns="0" rIns="0" bIns="0"/>
+          <a:lstStyle/>
           <a:p>
             <a:endParaRPr/>
           </a:p>
@@ -956,7 +1107,8 @@
           </a:prstGeom>
         </p:spPr>
         <p:txBody>
-          <a:bodyPr bIns="0" lIns="0" rIns="0" tIns="0" wrap="none"/>
+          <a:bodyPr wrap="none" lIns="0" tIns="0" rIns="0" bIns="0"/>
+          <a:lstStyle/>
           <a:p>
             <a:endParaRPr/>
           </a:p>
@@ -982,7 +1134,8 @@
           </a:prstGeom>
         </p:spPr>
         <p:txBody>
-          <a:bodyPr bIns="0" lIns="0" rIns="0" tIns="0" wrap="none"/>
+          <a:bodyPr wrap="none" lIns="0" tIns="0" rIns="0" bIns="0"/>
+          <a:lstStyle/>
           <a:p>
             <a:endParaRPr/>
           </a:p>
@@ -990,11 +1143,14 @@
       </p:sp>
     </p:spTree>
   </p:cSld>
+  <p:clrMapOvr>
+    <a:masterClrMapping/>
+  </p:clrMapOvr>
 </p:sldLayout>
 </file>
 
 <file path=ppt/slideLayouts/slideLayout9.xml><?xml version="1.0" encoding="utf-8"?>
-<p:sldLayout xmlns:a="http://schemas.openxmlformats.org/drawingml/2006/main" xmlns:p="http://schemas.openxmlformats.org/presentationml/2006/main" xmlns:r="http://schemas.openxmlformats.org/officeDocument/2006/relationships" preserve="1" type="twoObjOverTx">
+<p:sldLayout xmlns:a="http://schemas.openxmlformats.org/drawingml/2006/main" xmlns:r="http://schemas.openxmlformats.org/officeDocument/2006/relationships" xmlns:p="http://schemas.openxmlformats.org/presentationml/2006/main" type="twoObjOverTx" preserve="1">
   <p:cSld name="Title, 2 Content over Content">
     <p:spTree>
       <p:nvGrpSpPr>
@@ -1030,7 +1186,8 @@
           </a:prstGeom>
         </p:spPr>
         <p:txBody>
-          <a:bodyPr anchor="ctr" bIns="0" lIns="0" rIns="0" tIns="0" wrap="none"/>
+          <a:bodyPr wrap="none" lIns="0" tIns="0" rIns="0" bIns="0" anchor="ctr"/>
+          <a:lstStyle/>
           <a:p>
             <a:pPr algn="ctr"/>
             <a:endParaRPr/>
@@ -1057,7 +1214,8 @@
           </a:prstGeom>
         </p:spPr>
         <p:txBody>
-          <a:bodyPr bIns="0" lIns="0" rIns="0" tIns="0" wrap="none"/>
+          <a:bodyPr wrap="none" lIns="0" tIns="0" rIns="0" bIns="0"/>
+          <a:lstStyle/>
           <a:p>
             <a:endParaRPr/>
           </a:p>
@@ -1083,7 +1241,8 @@
           </a:prstGeom>
         </p:spPr>
         <p:txBody>
-          <a:bodyPr bIns="0" lIns="0" rIns="0" tIns="0" wrap="none"/>
+          <a:bodyPr wrap="none" lIns="0" tIns="0" rIns="0" bIns="0"/>
+          <a:lstStyle/>
           <a:p>
             <a:endParaRPr/>
           </a:p>
@@ -1109,7 +1268,8 @@
           </a:prstGeom>
         </p:spPr>
         <p:txBody>
-          <a:bodyPr bIns="0" lIns="0" rIns="0" tIns="0" wrap="none"/>
+          <a:bodyPr wrap="none" lIns="0" tIns="0" rIns="0" bIns="0"/>
+          <a:lstStyle/>
           <a:p>
             <a:endParaRPr/>
           </a:p>
@@ -1117,11 +1277,296 @@
       </p:sp>
     </p:spTree>
   </p:cSld>
+  <p:clrMapOvr>
+    <a:masterClrMapping/>
+  </p:clrMapOvr>
 </p:sldLayout>
 </file>
 
 <file path=ppt/slideMasters/slideMaster1.xml><?xml version="1.0" encoding="utf-8"?>
-<p:sldMaster xmlns:a="http://schemas.openxmlformats.org/drawingml/2006/main" xmlns:p="http://schemas.openxmlformats.org/presentationml/2006/main" xmlns:r="http://schemas.openxmlformats.org/officeDocument/2006/relationships">
+<p:sldMaster xmlns:a="http://schemas.openxmlformats.org/drawingml/2006/main" xmlns:r="http://schemas.openxmlformats.org/officeDocument/2006/relationships" xmlns:p="http://schemas.openxmlformats.org/presentationml/2006/main">
+  <p:cSld>
+    <p:bg>
+      <p:bgRef idx="1001">
+        <a:schemeClr val="bg1"/>
+      </p:bgRef>
+    </p:bg>
+    <p:spTree>
+      <p:nvGrpSpPr>
+        <p:cNvPr id="1" name=""/>
+        <p:cNvGrpSpPr/>
+        <p:nvPr/>
+      </p:nvGrpSpPr>
+      <p:grpSpPr>
+        <a:xfrm>
+          <a:off x="0" y="0"/>
+          <a:ext cx="0" cy="0"/>
+          <a:chOff x="0" y="0"/>
+          <a:chExt cx="0" cy="0"/>
+        </a:xfrm>
+      </p:grpSpPr>
+      <p:sp>
+        <p:nvSpPr>
+          <p:cNvPr id="5" name="PlaceHolder 1"/>
+          <p:cNvSpPr>
+            <a:spLocks noGrp="1"/>
+          </p:cNvSpPr>
+          <p:nvPr>
+            <p:ph type="title"/>
+          </p:nvPr>
+        </p:nvSpPr>
+        <p:spPr>
+          <a:xfrm>
+            <a:off x="504000" y="301320"/>
+            <a:ext cx="9071640" cy="1262160"/>
+          </a:xfrm>
+          <a:prstGeom prst="rect">
+            <a:avLst/>
+          </a:prstGeom>
+        </p:spPr>
+        <p:txBody>
+          <a:bodyPr wrap="none" lIns="0" tIns="0" rIns="0" bIns="0" anchor="ctr"/>
+          <a:lstStyle/>
+          <a:p>
+            <a:pPr algn="ctr"/>
+            <a:r>
+              <a:rPr lang="en-US"/>
+              <a:t>Click to edit the title text format</a:t>
+            </a:r>
+            <a:endParaRPr/>
+          </a:p>
+        </p:txBody>
+      </p:sp>
+      <p:sp>
+        <p:nvSpPr>
+          <p:cNvPr id="6" name="PlaceHolder 2"/>
+          <p:cNvSpPr>
+            <a:spLocks noGrp="1"/>
+          </p:cNvSpPr>
+          <p:nvPr>
+            <p:ph type="body"/>
+          </p:nvPr>
+        </p:nvSpPr>
+        <p:spPr>
+          <a:xfrm>
+            <a:off x="504000" y="1769040"/>
+            <a:ext cx="9071640" cy="4384440"/>
+          </a:xfrm>
+          <a:prstGeom prst="rect">
+            <a:avLst/>
+          </a:prstGeom>
+        </p:spPr>
+        <p:txBody>
+          <a:bodyPr wrap="none" lIns="0" tIns="0" rIns="0" bIns="0"/>
+          <a:lstStyle/>
+          <a:p>
+            <a:pPr>
+              <a:buSzPct val="25000"/>
+              <a:buFont typeface="StarSymbol"/>
+              <a:buChar char=""/>
+            </a:pPr>
+            <a:r>
+              <a:rPr lang="en-US"/>
+              <a:t>Click to edit the outline text format</a:t>
+            </a:r>
+            <a:endParaRPr/>
+          </a:p>
+          <a:p>
+            <a:pPr lvl="1">
+              <a:buSzPct val="25000"/>
+              <a:buFont typeface="StarSymbol"/>
+              <a:buChar char=""/>
+            </a:pPr>
+            <a:r>
+              <a:rPr lang="en-US"/>
+              <a:t>Second Outline Level</a:t>
+            </a:r>
+            <a:endParaRPr/>
+          </a:p>
+          <a:p>
+            <a:pPr lvl="2">
+              <a:buSzPct val="25000"/>
+              <a:buFont typeface="StarSymbol"/>
+              <a:buChar char=""/>
+            </a:pPr>
+            <a:r>
+              <a:rPr lang="en-US"/>
+              <a:t>Third Outline Level</a:t>
+            </a:r>
+            <a:endParaRPr/>
+          </a:p>
+          <a:p>
+            <a:pPr lvl="3">
+              <a:buSzPct val="25000"/>
+              <a:buFont typeface="StarSymbol"/>
+              <a:buChar char=""/>
+            </a:pPr>
+            <a:r>
+              <a:rPr lang="en-US"/>
+              <a:t>Fourth Outline Level</a:t>
+            </a:r>
+            <a:endParaRPr/>
+          </a:p>
+          <a:p>
+            <a:pPr lvl="4">
+              <a:buSzPct val="25000"/>
+              <a:buFont typeface="StarSymbol"/>
+              <a:buChar char=""/>
+            </a:pPr>
+            <a:r>
+              <a:rPr lang="en-US"/>
+              <a:t>Fifth Outline Level</a:t>
+            </a:r>
+            <a:endParaRPr/>
+          </a:p>
+          <a:p>
+            <a:pPr lvl="5">
+              <a:buSzPct val="25000"/>
+              <a:buFont typeface="StarSymbol"/>
+              <a:buChar char=""/>
+            </a:pPr>
+            <a:r>
+              <a:rPr lang="en-US"/>
+              <a:t>Sixth Outline Level</a:t>
+            </a:r>
+            <a:endParaRPr/>
+          </a:p>
+          <a:p>
+            <a:pPr lvl="6">
+              <a:buSzPct val="25000"/>
+              <a:buFont typeface="StarSymbol"/>
+              <a:buChar char=""/>
+            </a:pPr>
+            <a:r>
+              <a:rPr lang="en-US"/>
+              <a:t>Seventh Outline Level</a:t>
+            </a:r>
+            <a:endParaRPr/>
+          </a:p>
+        </p:txBody>
+      </p:sp>
+      <p:sp>
+        <p:nvSpPr>
+          <p:cNvPr id="2" name="PlaceHolder 3"/>
+          <p:cNvSpPr>
+            <a:spLocks noGrp="1"/>
+          </p:cNvSpPr>
+          <p:nvPr>
+            <p:ph type="dt"/>
+          </p:nvPr>
+        </p:nvSpPr>
+        <p:spPr>
+          <a:xfrm>
+            <a:off x="504000" y="6887160"/>
+            <a:ext cx="2348280" cy="521280"/>
+          </a:xfrm>
+          <a:prstGeom prst="rect">
+            <a:avLst/>
+          </a:prstGeom>
+        </p:spPr>
+        <p:txBody>
+          <a:bodyPr wrap="none" lIns="0" tIns="0" rIns="0" bIns="0"/>
+          <a:lstStyle/>
+          <a:p>
+            <a:r>
+              <a:rPr lang="en-US"/>
+              <a:t>&lt;date/time&gt;</a:t>
+            </a:r>
+            <a:endParaRPr/>
+          </a:p>
+        </p:txBody>
+      </p:sp>
+      <p:sp>
+        <p:nvSpPr>
+          <p:cNvPr id="3" name="PlaceHolder 4"/>
+          <p:cNvSpPr>
+            <a:spLocks noGrp="1"/>
+          </p:cNvSpPr>
+          <p:nvPr>
+            <p:ph type="ftr"/>
+          </p:nvPr>
+        </p:nvSpPr>
+        <p:spPr>
+          <a:xfrm>
+            <a:off x="3447360" y="6887160"/>
+            <a:ext cx="3195000" cy="521280"/>
+          </a:xfrm>
+          <a:prstGeom prst="rect">
+            <a:avLst/>
+          </a:prstGeom>
+        </p:spPr>
+        <p:txBody>
+          <a:bodyPr wrap="none" lIns="0" tIns="0" rIns="0" bIns="0"/>
+          <a:lstStyle/>
+          <a:p>
+            <a:pPr algn="ctr"/>
+            <a:r>
+              <a:rPr lang="en-US"/>
+              <a:t>&lt;footer&gt;</a:t>
+            </a:r>
+            <a:endParaRPr/>
+          </a:p>
+        </p:txBody>
+      </p:sp>
+      <p:sp>
+        <p:nvSpPr>
+          <p:cNvPr id="4" name="PlaceHolder 5"/>
+          <p:cNvSpPr>
+            <a:spLocks noGrp="1"/>
+          </p:cNvSpPr>
+          <p:nvPr>
+            <p:ph type="sldNum"/>
+          </p:nvPr>
+        </p:nvSpPr>
+        <p:spPr>
+          <a:xfrm>
+            <a:off x="7227360" y="6887160"/>
+            <a:ext cx="2348280" cy="521280"/>
+          </a:xfrm>
+          <a:prstGeom prst="rect">
+            <a:avLst/>
+          </a:prstGeom>
+        </p:spPr>
+        <p:txBody>
+          <a:bodyPr wrap="none" lIns="0" tIns="0" rIns="0" bIns="0"/>
+          <a:lstStyle/>
+          <a:p>
+            <a:pPr algn="r"/>
+            <a:fld id="{D2FF36CF-3F43-4E90-8DF6-A2FC15262242}" type="slidenum">
+              <a:rPr lang="en-US"/>
+              <a:t>‹#›</a:t>
+            </a:fld>
+            <a:endParaRPr/>
+          </a:p>
+        </p:txBody>
+      </p:sp>
+    </p:spTree>
+  </p:cSld>
+  <p:clrMap bg1="lt1" tx1="dk1" bg2="lt2" tx2="dk2" accent1="accent1" accent2="accent2" accent3="accent3" accent4="accent4" accent5="accent5" accent6="accent6" hlink="hlink" folHlink="folHlink"/>
+  <p:sldLayoutIdLst>
+    <p:sldLayoutId id="2147483649" r:id="rId1"/>
+    <p:sldLayoutId id="2147483650" r:id="rId2"/>
+    <p:sldLayoutId id="2147483651" r:id="rId3"/>
+    <p:sldLayoutId id="2147483652" r:id="rId4"/>
+    <p:sldLayoutId id="2147483653" r:id="rId5"/>
+    <p:sldLayoutId id="2147483654" r:id="rId6"/>
+    <p:sldLayoutId id="2147483655" r:id="rId7"/>
+    <p:sldLayoutId id="2147483656" r:id="rId8"/>
+    <p:sldLayoutId id="2147483657" r:id="rId9"/>
+    <p:sldLayoutId id="2147483658" r:id="rId10"/>
+    <p:sldLayoutId id="2147483659" r:id="rId11"/>
+    <p:sldLayoutId id="2147483660" r:id="rId12"/>
+  </p:sldLayoutIdLst>
+  <p:txStyles>
+    <p:titleStyle/>
+    <p:bodyStyle/>
+    <p:otherStyle/>
+  </p:txStyles>
+</p:sldMaster>
+</file>
+
+<file path=ppt/slides/slide1.xml><?xml version="1.0" encoding="utf-8"?>
+<p:sld xmlns:a="http://schemas.openxmlformats.org/drawingml/2006/main" xmlns:r="http://schemas.openxmlformats.org/officeDocument/2006/relationships" xmlns:p="http://schemas.openxmlformats.org/presentationml/2006/main">
   <p:cSld>
     <p:spTree>
       <p:nvGrpSpPr>
@@ -1139,273 +1584,6 @@
       </p:grpSpPr>
       <p:sp>
         <p:nvSpPr>
-          <p:cNvPr id="0" name="PlaceHolder 1"/>
-          <p:cNvSpPr>
-            <a:spLocks noGrp="1"/>
-          </p:cNvSpPr>
-          <p:nvPr>
-            <p:ph type="title"/>
-          </p:nvPr>
-        </p:nvSpPr>
-        <p:spPr>
-          <a:xfrm>
-            <a:off x="504000" y="301320"/>
-            <a:ext cx="9071640" cy="1262160"/>
-          </a:xfrm>
-          <a:prstGeom prst="rect">
-            <a:avLst/>
-          </a:prstGeom>
-        </p:spPr>
-        <p:txBody>
-          <a:bodyPr anchor="ctr" bIns="0" lIns="0" rIns="0" tIns="0" wrap="none"/>
-          <a:p>
-            <a:pPr algn="ctr"/>
-            <a:r>
-              <a:rPr lang="en-US"/>
-              <a:t>Click to edit the title text format</a:t>
-            </a:r>
-            <a:endParaRPr/>
-          </a:p>
-        </p:txBody>
-      </p:sp>
-      <p:sp>
-        <p:nvSpPr>
-          <p:cNvPr id="1" name="PlaceHolder 2"/>
-          <p:cNvSpPr>
-            <a:spLocks noGrp="1"/>
-          </p:cNvSpPr>
-          <p:nvPr>
-            <p:ph type="body"/>
-          </p:nvPr>
-        </p:nvSpPr>
-        <p:spPr>
-          <a:xfrm>
-            <a:off x="504000" y="1769040"/>
-            <a:ext cx="9071640" cy="4384440"/>
-          </a:xfrm>
-          <a:prstGeom prst="rect">
-            <a:avLst/>
-          </a:prstGeom>
-        </p:spPr>
-        <p:txBody>
-          <a:bodyPr bIns="0" lIns="0" rIns="0" tIns="0" wrap="none"/>
-          <a:p>
-            <a:pPr>
-              <a:buSzPct val="25000"/>
-              <a:buFont typeface="StarSymbol"/>
-              <a:buChar char=""/>
-            </a:pPr>
-            <a:r>
-              <a:rPr lang="en-US"/>
-              <a:t>Click to edit the outline text format</a:t>
-            </a:r>
-            <a:endParaRPr/>
-          </a:p>
-          <a:p>
-            <a:pPr lvl="1">
-              <a:buSzPct val="25000"/>
-              <a:buFont typeface="StarSymbol"/>
-              <a:buChar char=""/>
-            </a:pPr>
-            <a:r>
-              <a:rPr lang="en-US"/>
-              <a:t>Second Outline Level</a:t>
-            </a:r>
-            <a:endParaRPr/>
-          </a:p>
-          <a:p>
-            <a:pPr lvl="2">
-              <a:buSzPct val="25000"/>
-              <a:buFont typeface="StarSymbol"/>
-              <a:buChar char=""/>
-            </a:pPr>
-            <a:r>
-              <a:rPr lang="en-US"/>
-              <a:t>Third Outline Level</a:t>
-            </a:r>
-            <a:endParaRPr/>
-          </a:p>
-          <a:p>
-            <a:pPr lvl="3">
-              <a:buSzPct val="25000"/>
-              <a:buFont typeface="StarSymbol"/>
-              <a:buChar char=""/>
-            </a:pPr>
-            <a:r>
-              <a:rPr lang="en-US"/>
-              <a:t>Fourth Outline Level</a:t>
-            </a:r>
-            <a:endParaRPr/>
-          </a:p>
-          <a:p>
-            <a:pPr lvl="4">
-              <a:buSzPct val="25000"/>
-              <a:buFont typeface="StarSymbol"/>
-              <a:buChar char=""/>
-            </a:pPr>
-            <a:r>
-              <a:rPr lang="en-US"/>
-              <a:t>Fifth Outline Level</a:t>
-            </a:r>
-            <a:endParaRPr/>
-          </a:p>
-          <a:p>
-            <a:pPr lvl="5">
-              <a:buSzPct val="25000"/>
-              <a:buFont typeface="StarSymbol"/>
-              <a:buChar char=""/>
-            </a:pPr>
-            <a:r>
-              <a:rPr lang="en-US"/>
-              <a:t>Sixth Outline Level</a:t>
-            </a:r>
-            <a:endParaRPr/>
-          </a:p>
-          <a:p>
-            <a:pPr lvl="6">
-              <a:buSzPct val="25000"/>
-              <a:buFont typeface="StarSymbol"/>
-              <a:buChar char=""/>
-            </a:pPr>
-            <a:r>
-              <a:rPr lang="en-US"/>
-              <a:t>Seventh Outline Level</a:t>
-            </a:r>
-            <a:endParaRPr/>
-          </a:p>
-        </p:txBody>
-      </p:sp>
-      <p:sp>
-        <p:nvSpPr>
-          <p:cNvPr id="2" name="PlaceHolder 3"/>
-          <p:cNvSpPr>
-            <a:spLocks noGrp="1"/>
-          </p:cNvSpPr>
-          <p:nvPr>
-            <p:ph type="dt"/>
-          </p:nvPr>
-        </p:nvSpPr>
-        <p:spPr>
-          <a:xfrm>
-            <a:off x="504000" y="6887160"/>
-            <a:ext cx="2348280" cy="521280"/>
-          </a:xfrm>
-          <a:prstGeom prst="rect">
-            <a:avLst/>
-          </a:prstGeom>
-        </p:spPr>
-        <p:txBody>
-          <a:bodyPr bIns="0" lIns="0" rIns="0" tIns="0" wrap="none"/>
-          <a:p>
-            <a:r>
-              <a:rPr lang="en-US"/>
-              <a:t>&lt;date/time&gt;</a:t>
-            </a:r>
-            <a:endParaRPr/>
-          </a:p>
-        </p:txBody>
-      </p:sp>
-      <p:sp>
-        <p:nvSpPr>
-          <p:cNvPr id="3" name="PlaceHolder 4"/>
-          <p:cNvSpPr>
-            <a:spLocks noGrp="1"/>
-          </p:cNvSpPr>
-          <p:nvPr>
-            <p:ph type="ftr"/>
-          </p:nvPr>
-        </p:nvSpPr>
-        <p:spPr>
-          <a:xfrm>
-            <a:off x="3447360" y="6887160"/>
-            <a:ext cx="3195000" cy="521280"/>
-          </a:xfrm>
-          <a:prstGeom prst="rect">
-            <a:avLst/>
-          </a:prstGeom>
-        </p:spPr>
-        <p:txBody>
-          <a:bodyPr bIns="0" lIns="0" rIns="0" tIns="0" wrap="none"/>
-          <a:p>
-            <a:pPr algn="ctr"/>
-            <a:r>
-              <a:rPr lang="en-US"/>
-              <a:t>&lt;footer&gt;</a:t>
-            </a:r>
-            <a:endParaRPr/>
-          </a:p>
-        </p:txBody>
-      </p:sp>
-      <p:sp>
-        <p:nvSpPr>
-          <p:cNvPr id="4" name="PlaceHolder 5"/>
-          <p:cNvSpPr>
-            <a:spLocks noGrp="1"/>
-          </p:cNvSpPr>
-          <p:nvPr>
-            <p:ph type="sldNum"/>
-          </p:nvPr>
-        </p:nvSpPr>
-        <p:spPr>
-          <a:xfrm>
-            <a:off x="7227360" y="6887160"/>
-            <a:ext cx="2348280" cy="521280"/>
-          </a:xfrm>
-          <a:prstGeom prst="rect">
-            <a:avLst/>
-          </a:prstGeom>
-        </p:spPr>
-        <p:txBody>
-          <a:bodyPr bIns="0" lIns="0" rIns="0" tIns="0" wrap="none"/>
-          <a:p>
-            <a:pPr algn="r"/>
-            <a:fld id="{D2FF36CF-3F43-4E90-8DF6-A2FC15262242}" type="slidenum">
-              <a:rPr lang="en-US"/>
-              <a:t>&lt;number&gt;</a:t>
-            </a:fld>
-            <a:endParaRPr/>
-          </a:p>
-        </p:txBody>
-      </p:sp>
-    </p:spTree>
-  </p:cSld>
-  <p:clrMap accent1="accent1" accent2="accent2" accent3="accent3" accent4="accent4" accent5="accent5" accent6="accent6" bg1="lt1" bg2="lt2" folHlink="folHlink" hlink="hlink" tx1="dk1" tx2="dk2"/>
-  <p:sldLayoutIdLst>
-    <p:sldLayoutId id="2147483649" r:id="rId2"/>
-    <p:sldLayoutId id="2147483650" r:id="rId3"/>
-    <p:sldLayoutId id="2147483651" r:id="rId4"/>
-    <p:sldLayoutId id="2147483652" r:id="rId5"/>
-    <p:sldLayoutId id="2147483653" r:id="rId6"/>
-    <p:sldLayoutId id="2147483654" r:id="rId7"/>
-    <p:sldLayoutId id="2147483655" r:id="rId8"/>
-    <p:sldLayoutId id="2147483656" r:id="rId9"/>
-    <p:sldLayoutId id="2147483657" r:id="rId10"/>
-    <p:sldLayoutId id="2147483658" r:id="rId11"/>
-    <p:sldLayoutId id="2147483659" r:id="rId12"/>
-    <p:sldLayoutId id="2147483660" r:id="rId13"/>
-  </p:sldLayoutIdLst>
-</p:sldMaster>
-</file>
-
-<file path=ppt/slides/slide1.xml><?xml version="1.0" encoding="utf-8"?>
-<p:sld xmlns:a="http://schemas.openxmlformats.org/drawingml/2006/main" xmlns:p="http://schemas.openxmlformats.org/presentationml/2006/main" xmlns:r="http://schemas.openxmlformats.org/officeDocument/2006/relationships">
-  <p:cSld>
-    <p:spTree>
-      <p:nvGrpSpPr>
-        <p:cNvPr id="1" name=""/>
-        <p:cNvGrpSpPr/>
-        <p:nvPr/>
-      </p:nvGrpSpPr>
-      <p:grpSpPr>
-        <a:xfrm>
-          <a:off x="0" y="0"/>
-          <a:ext cx="0" cy="0"/>
-          <a:chOff x="0" y="0"/>
-          <a:chExt cx="0" cy="0"/>
-        </a:xfrm>
-      </p:grpSpPr>
-      <p:sp>
-        <p:nvSpPr>
           <p:cNvPr id="37" name="CustomShape 1"/>
           <p:cNvSpPr/>
           <p:nvPr/>
@@ -1417,15 +1595,15 @@
           </a:xfrm>
           <a:prstGeom prst="chevron">
             <a:avLst>
-              <a:gd fmla="val 20997" name="adj"/>
+              <a:gd name="adj" fmla="val 20997"/>
             </a:avLst>
           </a:prstGeom>
           <a:solidFill>
-            <a:srgbClr val="cfe7f5"/>
+            <a:srgbClr val="CFE7F5"/>
           </a:solidFill>
           <a:ln>
             <a:solidFill>
-              <a:srgbClr val="4c4c4c"/>
+              <a:srgbClr val="4C4C4C"/>
             </a:solidFill>
           </a:ln>
         </p:spPr>
@@ -1443,15 +1621,15 @@
           </a:xfrm>
           <a:prstGeom prst="homePlate">
             <a:avLst>
-              <a:gd fmla="val 16200" name="adj"/>
+              <a:gd name="adj" fmla="val 16200"/>
             </a:avLst>
           </a:prstGeom>
           <a:solidFill>
-            <a:srgbClr val="cfe7f5"/>
+            <a:srgbClr val="CFE7F5"/>
           </a:solidFill>
           <a:ln>
             <a:solidFill>
-              <a:srgbClr val="4c4c4c"/>
+              <a:srgbClr val="4C4C4C"/>
             </a:solidFill>
           </a:ln>
         </p:spPr>
@@ -1469,15 +1647,15 @@
           </a:xfrm>
           <a:prstGeom prst="chevron">
             <a:avLst>
-              <a:gd fmla="val 16200" name="adj"/>
+              <a:gd name="adj" fmla="val 16200"/>
             </a:avLst>
           </a:prstGeom>
           <a:solidFill>
-            <a:srgbClr val="cfe7f5"/>
+            <a:srgbClr val="CFE7F5"/>
           </a:solidFill>
           <a:ln>
             <a:solidFill>
-              <a:srgbClr val="4c4c4c"/>
+              <a:srgbClr val="4C4C4C"/>
             </a:solidFill>
           </a:ln>
         </p:spPr>
@@ -1495,15 +1673,15 @@
           </a:xfrm>
           <a:prstGeom prst="chevron">
             <a:avLst>
-              <a:gd fmla="val 16200" name="adj"/>
+              <a:gd name="adj" fmla="val 16200"/>
             </a:avLst>
           </a:prstGeom>
           <a:solidFill>
-            <a:srgbClr val="cfe7f5"/>
+            <a:srgbClr val="CFE7F5"/>
           </a:solidFill>
           <a:ln>
             <a:solidFill>
-              <a:srgbClr val="4c4c4c"/>
+              <a:srgbClr val="4C4C4C"/>
             </a:solidFill>
           </a:ln>
         </p:spPr>
@@ -1521,15 +1699,15 @@
           </a:xfrm>
           <a:prstGeom prst="chevron">
             <a:avLst>
-              <a:gd fmla="val 20997" name="adj"/>
+              <a:gd name="adj" fmla="val 20997"/>
             </a:avLst>
           </a:prstGeom>
           <a:solidFill>
-            <a:srgbClr val="cfe7f5"/>
+            <a:srgbClr val="CFE7F5"/>
           </a:solidFill>
           <a:ln>
             <a:solidFill>
-              <a:srgbClr val="4c4c4c"/>
+              <a:srgbClr val="4C4C4C"/>
             </a:solidFill>
           </a:ln>
         </p:spPr>
@@ -1547,15 +1725,15 @@
           </a:xfrm>
           <a:prstGeom prst="homePlate">
             <a:avLst>
-              <a:gd fmla="val 16200" name="adj"/>
+              <a:gd name="adj" fmla="val 16200"/>
             </a:avLst>
           </a:prstGeom>
           <a:solidFill>
-            <a:srgbClr val="cfe7f5"/>
+            <a:srgbClr val="CFE7F5"/>
           </a:solidFill>
           <a:ln>
             <a:solidFill>
-              <a:srgbClr val="4c4c4c"/>
+              <a:srgbClr val="4C4C4C"/>
             </a:solidFill>
           </a:ln>
         </p:spPr>
@@ -1573,15 +1751,15 @@
           </a:xfrm>
           <a:prstGeom prst="chevron">
             <a:avLst>
-              <a:gd fmla="val 16200" name="adj"/>
+              <a:gd name="adj" fmla="val 16200"/>
             </a:avLst>
           </a:prstGeom>
           <a:solidFill>
-            <a:srgbClr val="cfe7f5"/>
+            <a:srgbClr val="CFE7F5"/>
           </a:solidFill>
           <a:ln>
             <a:solidFill>
-              <a:srgbClr val="4c4c4c"/>
+              <a:srgbClr val="4C4C4C"/>
             </a:solidFill>
           </a:ln>
         </p:spPr>
@@ -1599,15 +1777,15 @@
           </a:xfrm>
           <a:prstGeom prst="chevron">
             <a:avLst>
-              <a:gd fmla="val 16200" name="adj"/>
+              <a:gd name="adj" fmla="val 16200"/>
             </a:avLst>
           </a:prstGeom>
           <a:solidFill>
-            <a:srgbClr val="cfe7f5"/>
+            <a:srgbClr val="CFE7F5"/>
           </a:solidFill>
           <a:ln>
             <a:solidFill>
-              <a:srgbClr val="4c4c4c"/>
+              <a:srgbClr val="4C4C4C"/>
             </a:solidFill>
           </a:ln>
         </p:spPr>
@@ -1627,11 +1805,11 @@
             <a:avLst/>
           </a:prstGeom>
           <a:solidFill>
-            <a:srgbClr val="e6e6e6"/>
+            <a:srgbClr val="E6E6E6"/>
           </a:solidFill>
           <a:ln>
             <a:solidFill>
-              <a:srgbClr val="4c4c4c"/>
+              <a:srgbClr val="4C4C4C"/>
             </a:solidFill>
           </a:ln>
         </p:spPr>
@@ -1651,11 +1829,11 @@
             <a:avLst/>
           </a:prstGeom>
           <a:solidFill>
-            <a:srgbClr val="e6e6e6"/>
+            <a:srgbClr val="E6E6E6"/>
           </a:solidFill>
           <a:ln>
             <a:solidFill>
-              <a:srgbClr val="4c4c4c"/>
+              <a:srgbClr val="4C4C4C"/>
             </a:solidFill>
           </a:ln>
         </p:spPr>
@@ -1676,7 +1854,8 @@
           </a:prstGeom>
         </p:spPr>
         <p:txBody>
-          <a:bodyPr anchor="ctr" bIns="45000" lIns="90000" rIns="90000" tIns="45000" wrap="none"/>
+          <a:bodyPr wrap="none" lIns="90000" tIns="45000" rIns="90000" bIns="45000" anchor="ctr"/>
+          <a:lstStyle/>
           <a:p>
             <a:pPr algn="ctr"/>
             <a:r>
@@ -1689,146 +1868,7 @@
       </p:sp>
       <p:pic>
         <p:nvPicPr>
-          <p:cNvPr descr="" id="48" name=""/>
-          <p:cNvPicPr/>
-          <p:nvPr/>
-        </p:nvPicPr>
-        <p:blipFill>
-          <a:blip r:embed="rId1"/>
-          <a:stretch>
-            <a:fillRect/>
-          </a:stretch>
-        </p:blipFill>
-        <p:spPr>
-          <a:xfrm>
-            <a:off x="6537960" y="4807440"/>
-            <a:ext cx="685800" cy="521280"/>
-          </a:xfrm>
-          <a:prstGeom prst="rect">
-            <a:avLst/>
-          </a:prstGeom>
-        </p:spPr>
-      </p:pic>
-      <p:sp>
-        <p:nvSpPr>
-          <p:cNvPr id="49" name="CustomShape 12"/>
-          <p:cNvSpPr/>
-          <p:nvPr/>
-        </p:nvSpPr>
-        <p:spPr>
-          <a:xfrm>
-            <a:off x="5577840" y="5466960"/>
-            <a:ext cx="822960" cy="548640"/>
-          </a:xfrm>
-          <a:prstGeom prst="flowChartDocument">
-            <a:avLst/>
-          </a:prstGeom>
-          <a:solidFill>
-            <a:srgbClr val="999999"/>
-          </a:solidFill>
-          <a:ln>
-            <a:solidFill>
-              <a:srgbClr val="4c4c4c"/>
-            </a:solidFill>
-          </a:ln>
-        </p:spPr>
-        <p:txBody>
-          <a:bodyPr anchor="ctr" bIns="45000" lIns="90000" rIns="90000" tIns="45000" wrap="none"/>
-          <a:p>
-            <a:pPr algn="ctr"/>
-            <a:r>
-              <a:rPr lang="en-US" sz="1400">
-                <a:solidFill>
-                  <a:srgbClr val="4c4c4c"/>
-                </a:solidFill>
-              </a:rPr>
-              <a:t>Shiny</a:t>
-            </a:r>
-            <a:endParaRPr/>
-          </a:p>
-        </p:txBody>
-      </p:sp>
-      <p:sp>
-        <p:nvSpPr>
-          <p:cNvPr id="50" name="CustomShape 13"/>
-          <p:cNvSpPr/>
-          <p:nvPr/>
-        </p:nvSpPr>
-        <p:spPr>
-          <a:xfrm>
-            <a:off x="6528240" y="5466960"/>
-            <a:ext cx="822960" cy="548640"/>
-          </a:xfrm>
-          <a:prstGeom prst="flowChartDocument">
-            <a:avLst/>
-          </a:prstGeom>
-          <a:solidFill>
-            <a:srgbClr val="999999"/>
-          </a:solidFill>
-          <a:ln>
-            <a:solidFill>
-              <a:srgbClr val="4c4c4c"/>
-            </a:solidFill>
-          </a:ln>
-        </p:spPr>
-        <p:txBody>
-          <a:bodyPr anchor="ctr" bIns="45000" lIns="90000" rIns="90000" tIns="45000" wrap="none"/>
-          <a:p>
-            <a:pPr algn="ctr"/>
-            <a:r>
-              <a:rPr lang="en-US" sz="1400">
-                <a:solidFill>
-                  <a:srgbClr val="4c4c4c"/>
-                </a:solidFill>
-              </a:rPr>
-              <a:t>igraph</a:t>
-            </a:r>
-            <a:endParaRPr/>
-          </a:p>
-        </p:txBody>
-      </p:sp>
-      <p:sp>
-        <p:nvSpPr>
-          <p:cNvPr id="51" name="CustomShape 14"/>
-          <p:cNvSpPr/>
-          <p:nvPr/>
-        </p:nvSpPr>
-        <p:spPr>
-          <a:xfrm>
-            <a:off x="7486560" y="5466960"/>
-            <a:ext cx="822960" cy="548640"/>
-          </a:xfrm>
-          <a:prstGeom prst="flowChartDocument">
-            <a:avLst/>
-          </a:prstGeom>
-          <a:solidFill>
-            <a:srgbClr val="999999"/>
-          </a:solidFill>
-          <a:ln>
-            <a:solidFill>
-              <a:srgbClr val="4c4c4c"/>
-            </a:solidFill>
-          </a:ln>
-        </p:spPr>
-        <p:txBody>
-          <a:bodyPr anchor="ctr" bIns="45000" lIns="90000" rIns="90000" tIns="45000" wrap="none"/>
-          <a:p>
-            <a:pPr algn="ctr"/>
-            <a:r>
-              <a:rPr lang="en-US" sz="1400">
-                <a:solidFill>
-                  <a:srgbClr val="4c4c4c"/>
-                </a:solidFill>
-              </a:rPr>
-              <a:t>rjson</a:t>
-            </a:r>
-            <a:endParaRPr/>
-          </a:p>
-        </p:txBody>
-      </p:sp>
-      <p:pic>
-        <p:nvPicPr>
-          <p:cNvPr descr="" id="52" name=""/>
+          <p:cNvPr id="48" name="Picture 47"/>
           <p:cNvPicPr/>
           <p:nvPr/>
         </p:nvPicPr>
@@ -1840,6 +1880,148 @@
         </p:blipFill>
         <p:spPr>
           <a:xfrm>
+            <a:off x="6537960" y="4807440"/>
+            <a:ext cx="685800" cy="521280"/>
+          </a:xfrm>
+          <a:prstGeom prst="rect">
+            <a:avLst/>
+          </a:prstGeom>
+        </p:spPr>
+      </p:pic>
+      <p:sp>
+        <p:nvSpPr>
+          <p:cNvPr id="49" name="CustomShape 12"/>
+          <p:cNvSpPr/>
+          <p:nvPr/>
+        </p:nvSpPr>
+        <p:spPr>
+          <a:xfrm>
+            <a:off x="5577840" y="5466960"/>
+            <a:ext cx="822960" cy="548640"/>
+          </a:xfrm>
+          <a:prstGeom prst="flowChartDocument">
+            <a:avLst/>
+          </a:prstGeom>
+          <a:solidFill>
+            <a:srgbClr val="999999"/>
+          </a:solidFill>
+          <a:ln>
+            <a:solidFill>
+              <a:srgbClr val="4C4C4C"/>
+            </a:solidFill>
+          </a:ln>
+        </p:spPr>
+        <p:txBody>
+          <a:bodyPr wrap="none" lIns="90000" tIns="45000" rIns="90000" bIns="45000" anchor="ctr"/>
+          <a:lstStyle/>
+          <a:p>
+            <a:pPr algn="ctr"/>
+            <a:r>
+              <a:rPr lang="en-US" sz="1400">
+                <a:solidFill>
+                  <a:srgbClr val="4C4C4C"/>
+                </a:solidFill>
+              </a:rPr>
+              <a:t>Shiny</a:t>
+            </a:r>
+            <a:endParaRPr/>
+          </a:p>
+        </p:txBody>
+      </p:sp>
+      <p:sp>
+        <p:nvSpPr>
+          <p:cNvPr id="50" name="CustomShape 13"/>
+          <p:cNvSpPr/>
+          <p:nvPr/>
+        </p:nvSpPr>
+        <p:spPr>
+          <a:xfrm>
+            <a:off x="6528240" y="5466960"/>
+            <a:ext cx="822960" cy="548640"/>
+          </a:xfrm>
+          <a:prstGeom prst="flowChartDocument">
+            <a:avLst/>
+          </a:prstGeom>
+          <a:solidFill>
+            <a:srgbClr val="999999"/>
+          </a:solidFill>
+          <a:ln>
+            <a:solidFill>
+              <a:srgbClr val="4C4C4C"/>
+            </a:solidFill>
+          </a:ln>
+        </p:spPr>
+        <p:txBody>
+          <a:bodyPr wrap="none" lIns="90000" tIns="45000" rIns="90000" bIns="45000" anchor="ctr"/>
+          <a:lstStyle/>
+          <a:p>
+            <a:pPr algn="ctr"/>
+            <a:r>
+              <a:rPr lang="en-US" sz="1400">
+                <a:solidFill>
+                  <a:srgbClr val="4C4C4C"/>
+                </a:solidFill>
+              </a:rPr>
+              <a:t>igraph</a:t>
+            </a:r>
+            <a:endParaRPr/>
+          </a:p>
+        </p:txBody>
+      </p:sp>
+      <p:sp>
+        <p:nvSpPr>
+          <p:cNvPr id="51" name="CustomShape 14"/>
+          <p:cNvSpPr/>
+          <p:nvPr/>
+        </p:nvSpPr>
+        <p:spPr>
+          <a:xfrm>
+            <a:off x="7486560" y="5466960"/>
+            <a:ext cx="822960" cy="548640"/>
+          </a:xfrm>
+          <a:prstGeom prst="flowChartDocument">
+            <a:avLst/>
+          </a:prstGeom>
+          <a:solidFill>
+            <a:srgbClr val="999999"/>
+          </a:solidFill>
+          <a:ln>
+            <a:solidFill>
+              <a:srgbClr val="4C4C4C"/>
+            </a:solidFill>
+          </a:ln>
+        </p:spPr>
+        <p:txBody>
+          <a:bodyPr wrap="none" lIns="90000" tIns="45000" rIns="90000" bIns="45000" anchor="ctr"/>
+          <a:lstStyle/>
+          <a:p>
+            <a:pPr algn="ctr"/>
+            <a:r>
+              <a:rPr lang="en-US" sz="1400">
+                <a:solidFill>
+                  <a:srgbClr val="4C4C4C"/>
+                </a:solidFill>
+              </a:rPr>
+              <a:t>rjson</a:t>
+            </a:r>
+            <a:endParaRPr/>
+          </a:p>
+        </p:txBody>
+      </p:sp>
+      <p:pic>
+        <p:nvPicPr>
+          <p:cNvPr id="52" name="Picture 51"/>
+          <p:cNvPicPr/>
+          <p:nvPr/>
+        </p:nvPicPr>
+        <p:blipFill>
+          <a:blip r:embed="rId3"/>
+          <a:stretch>
+            <a:fillRect/>
+          </a:stretch>
+        </p:blipFill>
+        <p:spPr>
+          <a:xfrm>
             <a:off x="1401840" y="4258800"/>
             <a:ext cx="1828800" cy="1325880"/>
           </a:xfrm>
@@ -1864,7 +2046,8 @@
           </a:prstGeom>
         </p:spPr>
         <p:txBody>
-          <a:bodyPr anchor="ctr" bIns="45000" lIns="90000" rIns="90000" tIns="45000" wrap="none"/>
+          <a:bodyPr wrap="none" lIns="90000" tIns="45000" rIns="90000" bIns="45000" anchor="ctr"/>
+          <a:lstStyle/>
           <a:p>
             <a:pPr algn="ctr"/>
             <a:r>
@@ -1894,18 +2077,19 @@
           </a:solidFill>
           <a:ln>
             <a:solidFill>
-              <a:srgbClr val="4c4c4c"/>
+              <a:srgbClr val="4C4C4C"/>
             </a:solidFill>
           </a:ln>
         </p:spPr>
         <p:txBody>
-          <a:bodyPr anchor="ctr" bIns="45000" lIns="90000" rIns="90000" tIns="45000" wrap="none"/>
+          <a:bodyPr wrap="none" lIns="90000" tIns="45000" rIns="90000" bIns="45000" anchor="ctr"/>
+          <a:lstStyle/>
           <a:p>
             <a:pPr algn="ctr"/>
             <a:r>
               <a:rPr lang="en-US" sz="1400">
                 <a:solidFill>
-                  <a:srgbClr val="4c4c4c"/>
+                  <a:srgbClr val="4C4C4C"/>
                 </a:solidFill>
               </a:rPr>
               <a:t>D3</a:t>
@@ -1930,13 +2114,14 @@
           </a:prstGeom>
         </p:spPr>
         <p:txBody>
-          <a:bodyPr bIns="45000" lIns="90000" rIns="90000" tIns="45000" wrap="none"/>
+          <a:bodyPr wrap="none" lIns="90000" tIns="45000" rIns="90000" bIns="45000"/>
+          <a:lstStyle/>
           <a:p>
             <a:pPr algn="ctr"/>
             <a:r>
               <a:rPr lang="en-US" sz="800">
                 <a:solidFill>
-                  <a:srgbClr val="4c4c4c"/>
+                  <a:srgbClr val="4C4C4C"/>
                 </a:solidFill>
               </a:rPr>
               <a:t>Controls, formatted data, summary info</a:t>
@@ -1961,13 +2146,14 @@
           </a:prstGeom>
         </p:spPr>
         <p:txBody>
-          <a:bodyPr bIns="45000" lIns="90000" rIns="90000" tIns="45000" wrap="none"/>
+          <a:bodyPr wrap="none" lIns="90000" tIns="45000" rIns="90000" bIns="45000"/>
+          <a:lstStyle/>
           <a:p>
             <a:pPr algn="ctr"/>
             <a:r>
               <a:rPr lang="en-US" sz="800">
                 <a:solidFill>
-                  <a:srgbClr val="4c4c4c"/>
+                  <a:srgbClr val="4C4C4C"/>
                 </a:solidFill>
               </a:rPr>
               <a:t>User interactions, updated data</a:t>
@@ -1976,24 +2162,1713 @@
           </a:p>
         </p:txBody>
       </p:sp>
+      <p:sp>
+        <p:nvSpPr>
+          <p:cNvPr id="2" name="Flowchart: Magnetic Disk 1"/>
+          <p:cNvSpPr/>
+          <p:nvPr/>
+        </p:nvSpPr>
+        <p:spPr>
+          <a:xfrm>
+            <a:off x="6331920" y="427037"/>
+            <a:ext cx="3280392" cy="2895600"/>
+          </a:xfrm>
+          <a:prstGeom prst="flowChartMagneticDisk">
+            <a:avLst/>
+          </a:prstGeom>
+          <a:solidFill>
+            <a:schemeClr val="bg1">
+              <a:lumMod val="85000"/>
+            </a:schemeClr>
+          </a:solidFill>
+          <a:ln>
+            <a:solidFill>
+              <a:schemeClr val="bg1"/>
+            </a:solidFill>
+          </a:ln>
+        </p:spPr>
+        <p:style>
+          <a:lnRef idx="2">
+            <a:schemeClr val="accent1">
+              <a:shade val="50000"/>
+            </a:schemeClr>
+          </a:lnRef>
+          <a:fillRef idx="1">
+            <a:schemeClr val="accent1"/>
+          </a:fillRef>
+          <a:effectRef idx="0">
+            <a:schemeClr val="accent1"/>
+          </a:effectRef>
+          <a:fontRef idx="minor">
+            <a:schemeClr val="lt1"/>
+          </a:fontRef>
+        </p:style>
+        <p:txBody>
+          <a:bodyPr rtlCol="0" anchor="ctr"/>
+          <a:lstStyle/>
+          <a:p>
+            <a:pPr algn="ctr"/>
+            <a:endParaRPr lang="en-US"/>
+          </a:p>
+        </p:txBody>
+      </p:sp>
+      <p:sp>
+        <p:nvSpPr>
+          <p:cNvPr id="3" name="Flowchart: Internal Storage 2"/>
+          <p:cNvSpPr/>
+          <p:nvPr/>
+        </p:nvSpPr>
+        <p:spPr>
+          <a:xfrm>
+            <a:off x="963912" y="927775"/>
+            <a:ext cx="3268210" cy="1905000"/>
+          </a:xfrm>
+          <a:custGeom>
+            <a:avLst/>
+            <a:gdLst>
+              <a:gd name="connsiteX0" fmla="*/ 0 w 10000"/>
+              <a:gd name="connsiteY0" fmla="*/ 0 h 10000"/>
+              <a:gd name="connsiteX1" fmla="*/ 10000 w 10000"/>
+              <a:gd name="connsiteY1" fmla="*/ 0 h 10000"/>
+              <a:gd name="connsiteX2" fmla="*/ 10000 w 10000"/>
+              <a:gd name="connsiteY2" fmla="*/ 10000 h 10000"/>
+              <a:gd name="connsiteX3" fmla="*/ 0 w 10000"/>
+              <a:gd name="connsiteY3" fmla="*/ 10000 h 10000"/>
+              <a:gd name="connsiteX4" fmla="*/ 0 w 10000"/>
+              <a:gd name="connsiteY4" fmla="*/ 0 h 10000"/>
+              <a:gd name="connsiteX0" fmla="*/ 1250 w 10000"/>
+              <a:gd name="connsiteY0" fmla="*/ 0 h 10000"/>
+              <a:gd name="connsiteX1" fmla="*/ 1250 w 10000"/>
+              <a:gd name="connsiteY1" fmla="*/ 10000 h 10000"/>
+              <a:gd name="connsiteX2" fmla="*/ 0 w 10000"/>
+              <a:gd name="connsiteY2" fmla="*/ 1250 h 10000"/>
+              <a:gd name="connsiteX3" fmla="*/ 10000 w 10000"/>
+              <a:gd name="connsiteY3" fmla="*/ 1250 h 10000"/>
+              <a:gd name="connsiteX0" fmla="*/ 0 w 10000"/>
+              <a:gd name="connsiteY0" fmla="*/ 0 h 10000"/>
+              <a:gd name="connsiteX1" fmla="*/ 10000 w 10000"/>
+              <a:gd name="connsiteY1" fmla="*/ 0 h 10000"/>
+              <a:gd name="connsiteX2" fmla="*/ 10000 w 10000"/>
+              <a:gd name="connsiteY2" fmla="*/ 10000 h 10000"/>
+              <a:gd name="connsiteX3" fmla="*/ 0 w 10000"/>
+              <a:gd name="connsiteY3" fmla="*/ 10000 h 10000"/>
+              <a:gd name="connsiteX4" fmla="*/ 0 w 10000"/>
+              <a:gd name="connsiteY4" fmla="*/ 0 h 10000"/>
+              <a:gd name="connsiteX0" fmla="*/ 0 w 10000"/>
+              <a:gd name="connsiteY0" fmla="*/ 0 h 10000"/>
+              <a:gd name="connsiteX1" fmla="*/ 10000 w 10000"/>
+              <a:gd name="connsiteY1" fmla="*/ 0 h 10000"/>
+              <a:gd name="connsiteX2" fmla="*/ 10000 w 10000"/>
+              <a:gd name="connsiteY2" fmla="*/ 10000 h 10000"/>
+              <a:gd name="connsiteX3" fmla="*/ 0 w 10000"/>
+              <a:gd name="connsiteY3" fmla="*/ 10000 h 10000"/>
+              <a:gd name="connsiteX4" fmla="*/ 0 w 10000"/>
+              <a:gd name="connsiteY4" fmla="*/ 0 h 10000"/>
+              <a:gd name="connsiteX0" fmla="*/ 1250 w 10000"/>
+              <a:gd name="connsiteY0" fmla="*/ 0 h 10000"/>
+              <a:gd name="connsiteX1" fmla="*/ 1250 w 10000"/>
+              <a:gd name="connsiteY1" fmla="*/ 10000 h 10000"/>
+              <a:gd name="connsiteX2" fmla="*/ 0 w 10000"/>
+              <a:gd name="connsiteY2" fmla="*/ 1608 h 10000"/>
+              <a:gd name="connsiteX3" fmla="*/ 10000 w 10000"/>
+              <a:gd name="connsiteY3" fmla="*/ 1250 h 10000"/>
+              <a:gd name="connsiteX0" fmla="*/ 0 w 10000"/>
+              <a:gd name="connsiteY0" fmla="*/ 0 h 10000"/>
+              <a:gd name="connsiteX1" fmla="*/ 10000 w 10000"/>
+              <a:gd name="connsiteY1" fmla="*/ 0 h 10000"/>
+              <a:gd name="connsiteX2" fmla="*/ 10000 w 10000"/>
+              <a:gd name="connsiteY2" fmla="*/ 10000 h 10000"/>
+              <a:gd name="connsiteX3" fmla="*/ 0 w 10000"/>
+              <a:gd name="connsiteY3" fmla="*/ 10000 h 10000"/>
+              <a:gd name="connsiteX4" fmla="*/ 0 w 10000"/>
+              <a:gd name="connsiteY4" fmla="*/ 0 h 10000"/>
+              <a:gd name="connsiteX0" fmla="*/ 0 w 10000"/>
+              <a:gd name="connsiteY0" fmla="*/ 0 h 10000"/>
+              <a:gd name="connsiteX1" fmla="*/ 10000 w 10000"/>
+              <a:gd name="connsiteY1" fmla="*/ 0 h 10000"/>
+              <a:gd name="connsiteX2" fmla="*/ 10000 w 10000"/>
+              <a:gd name="connsiteY2" fmla="*/ 10000 h 10000"/>
+              <a:gd name="connsiteX3" fmla="*/ 0 w 10000"/>
+              <a:gd name="connsiteY3" fmla="*/ 10000 h 10000"/>
+              <a:gd name="connsiteX4" fmla="*/ 0 w 10000"/>
+              <a:gd name="connsiteY4" fmla="*/ 0 h 10000"/>
+              <a:gd name="connsiteX0" fmla="*/ 1250 w 10000"/>
+              <a:gd name="connsiteY0" fmla="*/ 0 h 10000"/>
+              <a:gd name="connsiteX1" fmla="*/ 1250 w 10000"/>
+              <a:gd name="connsiteY1" fmla="*/ 10000 h 10000"/>
+              <a:gd name="connsiteX2" fmla="*/ 0 w 10000"/>
+              <a:gd name="connsiteY2" fmla="*/ 1608 h 10000"/>
+              <a:gd name="connsiteX3" fmla="*/ 9958 w 10000"/>
+              <a:gd name="connsiteY3" fmla="*/ 1608 h 10000"/>
+              <a:gd name="connsiteX0" fmla="*/ 0 w 10000"/>
+              <a:gd name="connsiteY0" fmla="*/ 0 h 10000"/>
+              <a:gd name="connsiteX1" fmla="*/ 10000 w 10000"/>
+              <a:gd name="connsiteY1" fmla="*/ 0 h 10000"/>
+              <a:gd name="connsiteX2" fmla="*/ 10000 w 10000"/>
+              <a:gd name="connsiteY2" fmla="*/ 10000 h 10000"/>
+              <a:gd name="connsiteX3" fmla="*/ 0 w 10000"/>
+              <a:gd name="connsiteY3" fmla="*/ 10000 h 10000"/>
+              <a:gd name="connsiteX4" fmla="*/ 0 w 10000"/>
+              <a:gd name="connsiteY4" fmla="*/ 0 h 10000"/>
+              <a:gd name="connsiteX0" fmla="*/ 0 w 10000"/>
+              <a:gd name="connsiteY0" fmla="*/ 0 h 10000"/>
+              <a:gd name="connsiteX1" fmla="*/ 10000 w 10000"/>
+              <a:gd name="connsiteY1" fmla="*/ 0 h 10000"/>
+              <a:gd name="connsiteX2" fmla="*/ 10000 w 10000"/>
+              <a:gd name="connsiteY2" fmla="*/ 10000 h 10000"/>
+              <a:gd name="connsiteX3" fmla="*/ 0 w 10000"/>
+              <a:gd name="connsiteY3" fmla="*/ 10000 h 10000"/>
+              <a:gd name="connsiteX4" fmla="*/ 0 w 10000"/>
+              <a:gd name="connsiteY4" fmla="*/ 0 h 10000"/>
+              <a:gd name="connsiteX0" fmla="*/ 1250 w 10000"/>
+              <a:gd name="connsiteY0" fmla="*/ 0 h 10000"/>
+              <a:gd name="connsiteX1" fmla="*/ 1250 w 10000"/>
+              <a:gd name="connsiteY1" fmla="*/ 10000 h 10000"/>
+              <a:gd name="connsiteX2" fmla="*/ 0 w 10000"/>
+              <a:gd name="connsiteY2" fmla="*/ 1966 h 10000"/>
+              <a:gd name="connsiteX3" fmla="*/ 9958 w 10000"/>
+              <a:gd name="connsiteY3" fmla="*/ 1608 h 10000"/>
+              <a:gd name="connsiteX0" fmla="*/ 0 w 10000"/>
+              <a:gd name="connsiteY0" fmla="*/ 0 h 10000"/>
+              <a:gd name="connsiteX1" fmla="*/ 10000 w 10000"/>
+              <a:gd name="connsiteY1" fmla="*/ 0 h 10000"/>
+              <a:gd name="connsiteX2" fmla="*/ 10000 w 10000"/>
+              <a:gd name="connsiteY2" fmla="*/ 10000 h 10000"/>
+              <a:gd name="connsiteX3" fmla="*/ 0 w 10000"/>
+              <a:gd name="connsiteY3" fmla="*/ 10000 h 10000"/>
+              <a:gd name="connsiteX4" fmla="*/ 0 w 10000"/>
+              <a:gd name="connsiteY4" fmla="*/ 0 h 10000"/>
+              <a:gd name="connsiteX0" fmla="*/ 0 w 10000"/>
+              <a:gd name="connsiteY0" fmla="*/ 0 h 10000"/>
+              <a:gd name="connsiteX1" fmla="*/ 10000 w 10000"/>
+              <a:gd name="connsiteY1" fmla="*/ 0 h 10000"/>
+              <a:gd name="connsiteX2" fmla="*/ 10000 w 10000"/>
+              <a:gd name="connsiteY2" fmla="*/ 10000 h 10000"/>
+              <a:gd name="connsiteX3" fmla="*/ 0 w 10000"/>
+              <a:gd name="connsiteY3" fmla="*/ 10000 h 10000"/>
+              <a:gd name="connsiteX4" fmla="*/ 0 w 10000"/>
+              <a:gd name="connsiteY4" fmla="*/ 0 h 10000"/>
+              <a:gd name="connsiteX0" fmla="*/ 1250 w 10000"/>
+              <a:gd name="connsiteY0" fmla="*/ 0 h 10000"/>
+              <a:gd name="connsiteX1" fmla="*/ 1250 w 10000"/>
+              <a:gd name="connsiteY1" fmla="*/ 10000 h 10000"/>
+              <a:gd name="connsiteX2" fmla="*/ 0 w 10000"/>
+              <a:gd name="connsiteY2" fmla="*/ 1966 h 10000"/>
+              <a:gd name="connsiteX3" fmla="*/ 9958 w 10000"/>
+              <a:gd name="connsiteY3" fmla="*/ 1895 h 10000"/>
+              <a:gd name="connsiteX0" fmla="*/ 0 w 10000"/>
+              <a:gd name="connsiteY0" fmla="*/ 0 h 10000"/>
+              <a:gd name="connsiteX1" fmla="*/ 10000 w 10000"/>
+              <a:gd name="connsiteY1" fmla="*/ 0 h 10000"/>
+              <a:gd name="connsiteX2" fmla="*/ 10000 w 10000"/>
+              <a:gd name="connsiteY2" fmla="*/ 10000 h 10000"/>
+              <a:gd name="connsiteX3" fmla="*/ 0 w 10000"/>
+              <a:gd name="connsiteY3" fmla="*/ 10000 h 10000"/>
+              <a:gd name="connsiteX4" fmla="*/ 0 w 10000"/>
+              <a:gd name="connsiteY4" fmla="*/ 0 h 10000"/>
+              <a:gd name="connsiteX0" fmla="*/ 0 w 10000"/>
+              <a:gd name="connsiteY0" fmla="*/ 0 h 10000"/>
+              <a:gd name="connsiteX1" fmla="*/ 10000 w 10000"/>
+              <a:gd name="connsiteY1" fmla="*/ 0 h 10000"/>
+              <a:gd name="connsiteX2" fmla="*/ 10000 w 10000"/>
+              <a:gd name="connsiteY2" fmla="*/ 10000 h 10000"/>
+              <a:gd name="connsiteX3" fmla="*/ 0 w 10000"/>
+              <a:gd name="connsiteY3" fmla="*/ 10000 h 10000"/>
+              <a:gd name="connsiteX4" fmla="*/ 0 w 10000"/>
+              <a:gd name="connsiteY4" fmla="*/ 0 h 10000"/>
+              <a:gd name="connsiteX0" fmla="*/ 1250 w 10000"/>
+              <a:gd name="connsiteY0" fmla="*/ 0 h 10000"/>
+              <a:gd name="connsiteX1" fmla="*/ 1250 w 10000"/>
+              <a:gd name="connsiteY1" fmla="*/ 10000 h 10000"/>
+              <a:gd name="connsiteX2" fmla="*/ 0 w 10000"/>
+              <a:gd name="connsiteY2" fmla="*/ 1966 h 10000"/>
+              <a:gd name="connsiteX3" fmla="*/ 9916 w 10000"/>
+              <a:gd name="connsiteY3" fmla="*/ 2110 h 10000"/>
+              <a:gd name="connsiteX0" fmla="*/ 0 w 10000"/>
+              <a:gd name="connsiteY0" fmla="*/ 0 h 10000"/>
+              <a:gd name="connsiteX1" fmla="*/ 10000 w 10000"/>
+              <a:gd name="connsiteY1" fmla="*/ 0 h 10000"/>
+              <a:gd name="connsiteX2" fmla="*/ 10000 w 10000"/>
+              <a:gd name="connsiteY2" fmla="*/ 10000 h 10000"/>
+              <a:gd name="connsiteX3" fmla="*/ 0 w 10000"/>
+              <a:gd name="connsiteY3" fmla="*/ 10000 h 10000"/>
+              <a:gd name="connsiteX4" fmla="*/ 0 w 10000"/>
+              <a:gd name="connsiteY4" fmla="*/ 0 h 10000"/>
+              <a:gd name="connsiteX0" fmla="*/ 0 w 10000"/>
+              <a:gd name="connsiteY0" fmla="*/ 0 h 10000"/>
+              <a:gd name="connsiteX1" fmla="*/ 10000 w 10000"/>
+              <a:gd name="connsiteY1" fmla="*/ 0 h 10000"/>
+              <a:gd name="connsiteX2" fmla="*/ 10000 w 10000"/>
+              <a:gd name="connsiteY2" fmla="*/ 10000 h 10000"/>
+              <a:gd name="connsiteX3" fmla="*/ 0 w 10000"/>
+              <a:gd name="connsiteY3" fmla="*/ 10000 h 10000"/>
+              <a:gd name="connsiteX4" fmla="*/ 0 w 10000"/>
+              <a:gd name="connsiteY4" fmla="*/ 0 h 10000"/>
+              <a:gd name="connsiteX0" fmla="*/ 1250 w 10000"/>
+              <a:gd name="connsiteY0" fmla="*/ 0 h 10000"/>
+              <a:gd name="connsiteX1" fmla="*/ 1250 w 10000"/>
+              <a:gd name="connsiteY1" fmla="*/ 10000 h 10000"/>
+              <a:gd name="connsiteX2" fmla="*/ 0 w 10000"/>
+              <a:gd name="connsiteY2" fmla="*/ 1966 h 10000"/>
+              <a:gd name="connsiteX3" fmla="*/ 9916 w 10000"/>
+              <a:gd name="connsiteY3" fmla="*/ 1895 h 10000"/>
+              <a:gd name="connsiteX0" fmla="*/ 0 w 10000"/>
+              <a:gd name="connsiteY0" fmla="*/ 0 h 10000"/>
+              <a:gd name="connsiteX1" fmla="*/ 10000 w 10000"/>
+              <a:gd name="connsiteY1" fmla="*/ 0 h 10000"/>
+              <a:gd name="connsiteX2" fmla="*/ 10000 w 10000"/>
+              <a:gd name="connsiteY2" fmla="*/ 10000 h 10000"/>
+              <a:gd name="connsiteX3" fmla="*/ 0 w 10000"/>
+              <a:gd name="connsiteY3" fmla="*/ 10000 h 10000"/>
+              <a:gd name="connsiteX4" fmla="*/ 0 w 10000"/>
+              <a:gd name="connsiteY4" fmla="*/ 0 h 10000"/>
+              <a:gd name="connsiteX0" fmla="*/ 0 w 10000"/>
+              <a:gd name="connsiteY0" fmla="*/ 0 h 10000"/>
+              <a:gd name="connsiteX1" fmla="*/ 10000 w 10000"/>
+              <a:gd name="connsiteY1" fmla="*/ 0 h 10000"/>
+              <a:gd name="connsiteX2" fmla="*/ 10000 w 10000"/>
+              <a:gd name="connsiteY2" fmla="*/ 10000 h 10000"/>
+              <a:gd name="connsiteX3" fmla="*/ 0 w 10000"/>
+              <a:gd name="connsiteY3" fmla="*/ 10000 h 10000"/>
+              <a:gd name="connsiteX4" fmla="*/ 0 w 10000"/>
+              <a:gd name="connsiteY4" fmla="*/ 0 h 10000"/>
+              <a:gd name="connsiteX0" fmla="*/ 1250 w 10000"/>
+              <a:gd name="connsiteY0" fmla="*/ 0 h 10000"/>
+              <a:gd name="connsiteX1" fmla="*/ 1250 w 10000"/>
+              <a:gd name="connsiteY1" fmla="*/ 10000 h 10000"/>
+              <a:gd name="connsiteX2" fmla="*/ 0 w 10000"/>
+              <a:gd name="connsiteY2" fmla="*/ 1966 h 10000"/>
+              <a:gd name="connsiteX3" fmla="*/ 9897 w 10000"/>
+              <a:gd name="connsiteY3" fmla="*/ 1995 h 10000"/>
+              <a:gd name="connsiteX0" fmla="*/ 0 w 10000"/>
+              <a:gd name="connsiteY0" fmla="*/ 0 h 10000"/>
+              <a:gd name="connsiteX1" fmla="*/ 10000 w 10000"/>
+              <a:gd name="connsiteY1" fmla="*/ 0 h 10000"/>
+              <a:gd name="connsiteX2" fmla="*/ 10000 w 10000"/>
+              <a:gd name="connsiteY2" fmla="*/ 10000 h 10000"/>
+              <a:gd name="connsiteX3" fmla="*/ 0 w 10000"/>
+              <a:gd name="connsiteY3" fmla="*/ 10000 h 10000"/>
+              <a:gd name="connsiteX4" fmla="*/ 0 w 10000"/>
+              <a:gd name="connsiteY4" fmla="*/ 0 h 10000"/>
+              <a:gd name="connsiteX0" fmla="*/ 0 w 10000"/>
+              <a:gd name="connsiteY0" fmla="*/ 0 h 10000"/>
+              <a:gd name="connsiteX1" fmla="*/ 10000 w 10000"/>
+              <a:gd name="connsiteY1" fmla="*/ 0 h 10000"/>
+              <a:gd name="connsiteX2" fmla="*/ 10000 w 10000"/>
+              <a:gd name="connsiteY2" fmla="*/ 10000 h 10000"/>
+              <a:gd name="connsiteX3" fmla="*/ 0 w 10000"/>
+              <a:gd name="connsiteY3" fmla="*/ 10000 h 10000"/>
+              <a:gd name="connsiteX4" fmla="*/ 0 w 10000"/>
+              <a:gd name="connsiteY4" fmla="*/ 0 h 10000"/>
+              <a:gd name="connsiteX0" fmla="*/ 1250 w 10000"/>
+              <a:gd name="connsiteY0" fmla="*/ 0 h 10000"/>
+              <a:gd name="connsiteX1" fmla="*/ 1250 w 10000"/>
+              <a:gd name="connsiteY1" fmla="*/ 10000 h 10000"/>
+              <a:gd name="connsiteX2" fmla="*/ 0 w 10000"/>
+              <a:gd name="connsiteY2" fmla="*/ 1966 h 10000"/>
+              <a:gd name="connsiteX3" fmla="*/ 9897 w 10000"/>
+              <a:gd name="connsiteY3" fmla="*/ 1895 h 10000"/>
+              <a:gd name="connsiteX0" fmla="*/ 0 w 10000"/>
+              <a:gd name="connsiteY0" fmla="*/ 0 h 10000"/>
+              <a:gd name="connsiteX1" fmla="*/ 10000 w 10000"/>
+              <a:gd name="connsiteY1" fmla="*/ 0 h 10000"/>
+              <a:gd name="connsiteX2" fmla="*/ 10000 w 10000"/>
+              <a:gd name="connsiteY2" fmla="*/ 10000 h 10000"/>
+              <a:gd name="connsiteX3" fmla="*/ 0 w 10000"/>
+              <a:gd name="connsiteY3" fmla="*/ 10000 h 10000"/>
+              <a:gd name="connsiteX4" fmla="*/ 0 w 10000"/>
+              <a:gd name="connsiteY4" fmla="*/ 0 h 10000"/>
+              <a:gd name="connsiteX0" fmla="*/ 0 w 10000"/>
+              <a:gd name="connsiteY0" fmla="*/ 0 h 10000"/>
+              <a:gd name="connsiteX1" fmla="*/ 10000 w 10000"/>
+              <a:gd name="connsiteY1" fmla="*/ 0 h 10000"/>
+              <a:gd name="connsiteX2" fmla="*/ 10000 w 10000"/>
+              <a:gd name="connsiteY2" fmla="*/ 10000 h 10000"/>
+              <a:gd name="connsiteX3" fmla="*/ 0 w 10000"/>
+              <a:gd name="connsiteY3" fmla="*/ 10000 h 10000"/>
+              <a:gd name="connsiteX4" fmla="*/ 0 w 10000"/>
+              <a:gd name="connsiteY4" fmla="*/ 0 h 10000"/>
+              <a:gd name="connsiteX0" fmla="*/ 1250 w 10000"/>
+              <a:gd name="connsiteY0" fmla="*/ 0 h 10000"/>
+              <a:gd name="connsiteX1" fmla="*/ 1250 w 10000"/>
+              <a:gd name="connsiteY1" fmla="*/ 10000 h 10000"/>
+              <a:gd name="connsiteX2" fmla="*/ 0 w 10000"/>
+              <a:gd name="connsiteY2" fmla="*/ 1966 h 10000"/>
+              <a:gd name="connsiteX3" fmla="*/ 9916 w 10000"/>
+              <a:gd name="connsiteY3" fmla="*/ 1962 h 10000"/>
+              <a:gd name="connsiteX0" fmla="*/ 0 w 10000"/>
+              <a:gd name="connsiteY0" fmla="*/ 0 h 10000"/>
+              <a:gd name="connsiteX1" fmla="*/ 10000 w 10000"/>
+              <a:gd name="connsiteY1" fmla="*/ 0 h 10000"/>
+              <a:gd name="connsiteX2" fmla="*/ 10000 w 10000"/>
+              <a:gd name="connsiteY2" fmla="*/ 10000 h 10000"/>
+              <a:gd name="connsiteX3" fmla="*/ 0 w 10000"/>
+              <a:gd name="connsiteY3" fmla="*/ 10000 h 10000"/>
+              <a:gd name="connsiteX4" fmla="*/ 0 w 10000"/>
+              <a:gd name="connsiteY4" fmla="*/ 0 h 10000"/>
+              <a:gd name="connsiteX0" fmla="*/ 0 w 10033"/>
+              <a:gd name="connsiteY0" fmla="*/ 0 h 10000"/>
+              <a:gd name="connsiteX1" fmla="*/ 10000 w 10033"/>
+              <a:gd name="connsiteY1" fmla="*/ 0 h 10000"/>
+              <a:gd name="connsiteX2" fmla="*/ 10000 w 10033"/>
+              <a:gd name="connsiteY2" fmla="*/ 10000 h 10000"/>
+              <a:gd name="connsiteX3" fmla="*/ 0 w 10033"/>
+              <a:gd name="connsiteY3" fmla="*/ 10000 h 10000"/>
+              <a:gd name="connsiteX4" fmla="*/ 0 w 10033"/>
+              <a:gd name="connsiteY4" fmla="*/ 0 h 10000"/>
+              <a:gd name="connsiteX0" fmla="*/ 1250 w 10033"/>
+              <a:gd name="connsiteY0" fmla="*/ 0 h 10000"/>
+              <a:gd name="connsiteX1" fmla="*/ 1250 w 10033"/>
+              <a:gd name="connsiteY1" fmla="*/ 10000 h 10000"/>
+              <a:gd name="connsiteX2" fmla="*/ 0 w 10033"/>
+              <a:gd name="connsiteY2" fmla="*/ 1966 h 10000"/>
+              <a:gd name="connsiteX3" fmla="*/ 10033 w 10033"/>
+              <a:gd name="connsiteY3" fmla="*/ 1962 h 10000"/>
+              <a:gd name="connsiteX0" fmla="*/ 0 w 10033"/>
+              <a:gd name="connsiteY0" fmla="*/ 0 h 10000"/>
+              <a:gd name="connsiteX1" fmla="*/ 10000 w 10033"/>
+              <a:gd name="connsiteY1" fmla="*/ 0 h 10000"/>
+              <a:gd name="connsiteX2" fmla="*/ 10000 w 10033"/>
+              <a:gd name="connsiteY2" fmla="*/ 10000 h 10000"/>
+              <a:gd name="connsiteX3" fmla="*/ 0 w 10033"/>
+              <a:gd name="connsiteY3" fmla="*/ 10000 h 10000"/>
+              <a:gd name="connsiteX4" fmla="*/ 0 w 10033"/>
+              <a:gd name="connsiteY4" fmla="*/ 0 h 10000"/>
+            </a:gdLst>
+            <a:ahLst/>
+            <a:cxnLst>
+              <a:cxn ang="0">
+                <a:pos x="connsiteX0" y="connsiteY0"/>
+              </a:cxn>
+              <a:cxn ang="0">
+                <a:pos x="connsiteX1" y="connsiteY1"/>
+              </a:cxn>
+              <a:cxn ang="0">
+                <a:pos x="connsiteX2" y="connsiteY2"/>
+              </a:cxn>
+              <a:cxn ang="0">
+                <a:pos x="connsiteX3" y="connsiteY3"/>
+              </a:cxn>
+              <a:cxn ang="0">
+                <a:pos x="connsiteX4" y="connsiteY4"/>
+              </a:cxn>
+            </a:cxnLst>
+            <a:rect l="l" t="t" r="r" b="b"/>
+            <a:pathLst>
+              <a:path w="10033" h="10000" stroke="0" extrusionOk="0">
+                <a:moveTo>
+                  <a:pt x="0" y="0"/>
+                </a:moveTo>
+                <a:lnTo>
+                  <a:pt x="10000" y="0"/>
+                </a:lnTo>
+                <a:lnTo>
+                  <a:pt x="10000" y="10000"/>
+                </a:lnTo>
+                <a:lnTo>
+                  <a:pt x="0" y="10000"/>
+                </a:lnTo>
+                <a:lnTo>
+                  <a:pt x="0" y="0"/>
+                </a:lnTo>
+                <a:close/>
+              </a:path>
+              <a:path w="10033" h="10000" fill="none" extrusionOk="0">
+                <a:moveTo>
+                  <a:pt x="1250" y="0"/>
+                </a:moveTo>
+                <a:lnTo>
+                  <a:pt x="1250" y="10000"/>
+                </a:lnTo>
+                <a:moveTo>
+                  <a:pt x="0" y="1966"/>
+                </a:moveTo>
+                <a:lnTo>
+                  <a:pt x="10033" y="1962"/>
+                </a:lnTo>
+              </a:path>
+              <a:path w="10033" h="10000" fill="none">
+                <a:moveTo>
+                  <a:pt x="0" y="0"/>
+                </a:moveTo>
+                <a:lnTo>
+                  <a:pt x="10000" y="0"/>
+                </a:lnTo>
+                <a:lnTo>
+                  <a:pt x="10000" y="10000"/>
+                </a:lnTo>
+                <a:lnTo>
+                  <a:pt x="0" y="10000"/>
+                </a:lnTo>
+                <a:lnTo>
+                  <a:pt x="0" y="0"/>
+                </a:lnTo>
+                <a:close/>
+              </a:path>
+            </a:pathLst>
+          </a:custGeom>
+          <a:solidFill>
+            <a:schemeClr val="bg1">
+              <a:lumMod val="85000"/>
+            </a:schemeClr>
+          </a:solidFill>
+          <a:ln>
+            <a:solidFill>
+              <a:schemeClr val="bg1"/>
+            </a:solidFill>
+          </a:ln>
+        </p:spPr>
+        <p:style>
+          <a:lnRef idx="2">
+            <a:schemeClr val="accent1">
+              <a:shade val="50000"/>
+            </a:schemeClr>
+          </a:lnRef>
+          <a:fillRef idx="1">
+            <a:schemeClr val="accent1"/>
+          </a:fillRef>
+          <a:effectRef idx="0">
+            <a:schemeClr val="accent1"/>
+          </a:effectRef>
+          <a:fontRef idx="minor">
+            <a:schemeClr val="lt1"/>
+          </a:fontRef>
+        </p:style>
+        <p:txBody>
+          <a:bodyPr rtlCol="0" anchor="ctr"/>
+          <a:lstStyle/>
+          <a:p>
+            <a:pPr algn="ctr"/>
+            <a:endParaRPr lang="en-US"/>
+          </a:p>
+        </p:txBody>
+      </p:sp>
+      <p:sp>
+        <p:nvSpPr>
+          <p:cNvPr id="4" name="TextBox 3"/>
+          <p:cNvSpPr txBox="1"/>
+          <p:nvPr/>
+        </p:nvSpPr>
+        <p:spPr>
+          <a:xfrm>
+            <a:off x="1375164" y="961994"/>
+            <a:ext cx="2891700" cy="307777"/>
+          </a:xfrm>
+          <a:prstGeom prst="rect">
+            <a:avLst/>
+          </a:prstGeom>
+          <a:noFill/>
+        </p:spPr>
+        <p:txBody>
+          <a:bodyPr wrap="square" rtlCol="0">
+            <a:spAutoFit/>
+          </a:bodyPr>
+          <a:lstStyle/>
+          <a:p>
+            <a:r>
+              <a:rPr lang="en-US" sz="1400" dirty="0" smtClean="0">
+                <a:solidFill>
+                  <a:schemeClr val="tx1">
+                    <a:lumMod val="65000"/>
+                    <a:lumOff val="35000"/>
+                  </a:schemeClr>
+                </a:solidFill>
+              </a:rPr>
+              <a:t>Client Side</a:t>
+            </a:r>
+            <a:endParaRPr lang="en-US" sz="1400" dirty="0">
+              <a:solidFill>
+                <a:schemeClr val="tx1">
+                  <a:lumMod val="65000"/>
+                  <a:lumOff val="35000"/>
+                </a:schemeClr>
+              </a:solidFill>
+            </a:endParaRPr>
+          </a:p>
+        </p:txBody>
+      </p:sp>
+      <p:sp>
+        <p:nvSpPr>
+          <p:cNvPr id="25" name="TextBox 24"/>
+          <p:cNvSpPr txBox="1"/>
+          <p:nvPr/>
+        </p:nvSpPr>
+        <p:spPr>
+          <a:xfrm>
+            <a:off x="7401591" y="640334"/>
+            <a:ext cx="1141050" cy="307777"/>
+          </a:xfrm>
+          <a:prstGeom prst="rect">
+            <a:avLst/>
+          </a:prstGeom>
+          <a:noFill/>
+        </p:spPr>
+        <p:txBody>
+          <a:bodyPr wrap="square" rtlCol="0">
+            <a:spAutoFit/>
+          </a:bodyPr>
+          <a:lstStyle/>
+          <a:p>
+            <a:r>
+              <a:rPr lang="en-US" sz="1400" dirty="0" smtClean="0">
+                <a:solidFill>
+                  <a:schemeClr val="tx1">
+                    <a:lumMod val="65000"/>
+                    <a:lumOff val="35000"/>
+                  </a:schemeClr>
+                </a:solidFill>
+              </a:rPr>
+              <a:t>Server Side</a:t>
+            </a:r>
+            <a:endParaRPr lang="en-US" sz="1400" dirty="0">
+              <a:solidFill>
+                <a:schemeClr val="tx1">
+                  <a:lumMod val="65000"/>
+                  <a:lumOff val="35000"/>
+                </a:schemeClr>
+              </a:solidFill>
+            </a:endParaRPr>
+          </a:p>
+        </p:txBody>
+      </p:sp>
+      <p:sp>
+        <p:nvSpPr>
+          <p:cNvPr id="6" name="Flowchart: Process 5"/>
+          <p:cNvSpPr/>
+          <p:nvPr/>
+        </p:nvSpPr>
+        <p:spPr>
+          <a:xfrm>
+            <a:off x="3272231" y="2070774"/>
+            <a:ext cx="1547641" cy="457201"/>
+          </a:xfrm>
+          <a:prstGeom prst="flowChartProcess">
+            <a:avLst/>
+          </a:prstGeom>
+          <a:solidFill>
+            <a:schemeClr val="tx2"/>
+          </a:solidFill>
+          <a:ln>
+            <a:noFill/>
+          </a:ln>
+        </p:spPr>
+        <p:style>
+          <a:lnRef idx="2">
+            <a:schemeClr val="accent1">
+              <a:shade val="50000"/>
+            </a:schemeClr>
+          </a:lnRef>
+          <a:fillRef idx="1">
+            <a:schemeClr val="accent1"/>
+          </a:fillRef>
+          <a:effectRef idx="0">
+            <a:schemeClr val="accent1"/>
+          </a:effectRef>
+          <a:fontRef idx="minor">
+            <a:schemeClr val="lt1"/>
+          </a:fontRef>
+        </p:style>
+        <p:txBody>
+          <a:bodyPr rtlCol="0" anchor="ctr"/>
+          <a:lstStyle/>
+          <a:p>
+            <a:pPr algn="ctr"/>
+            <a:endParaRPr lang="en-US"/>
+          </a:p>
+        </p:txBody>
+      </p:sp>
+      <p:sp>
+        <p:nvSpPr>
+          <p:cNvPr id="58" name="Flowchart: Process 57"/>
+          <p:cNvSpPr/>
+          <p:nvPr/>
+        </p:nvSpPr>
+        <p:spPr>
+          <a:xfrm>
+            <a:off x="5913348" y="2071234"/>
+            <a:ext cx="1488241" cy="457201"/>
+          </a:xfrm>
+          <a:prstGeom prst="flowChartProcess">
+            <a:avLst/>
+          </a:prstGeom>
+          <a:solidFill>
+            <a:schemeClr val="tx2"/>
+          </a:solidFill>
+          <a:ln>
+            <a:noFill/>
+          </a:ln>
+        </p:spPr>
+        <p:style>
+          <a:lnRef idx="2">
+            <a:schemeClr val="accent1">
+              <a:shade val="50000"/>
+            </a:schemeClr>
+          </a:lnRef>
+          <a:fillRef idx="1">
+            <a:schemeClr val="accent1"/>
+          </a:fillRef>
+          <a:effectRef idx="0">
+            <a:schemeClr val="accent1"/>
+          </a:effectRef>
+          <a:fontRef idx="minor">
+            <a:schemeClr val="lt1"/>
+          </a:fontRef>
+        </p:style>
+        <p:txBody>
+          <a:bodyPr rtlCol="0" anchor="ctr"/>
+          <a:lstStyle/>
+          <a:p>
+            <a:pPr algn="ctr"/>
+            <a:endParaRPr lang="en-US"/>
+          </a:p>
+        </p:txBody>
+      </p:sp>
+      <p:sp>
+        <p:nvSpPr>
+          <p:cNvPr id="7" name="TextBox 6"/>
+          <p:cNvSpPr txBox="1"/>
+          <p:nvPr/>
+        </p:nvSpPr>
+        <p:spPr>
+          <a:xfrm>
+            <a:off x="4112208" y="2070774"/>
+            <a:ext cx="775704" cy="276999"/>
+          </a:xfrm>
+          <a:prstGeom prst="rect">
+            <a:avLst/>
+          </a:prstGeom>
+          <a:noFill/>
+        </p:spPr>
+        <p:txBody>
+          <a:bodyPr wrap="square" rtlCol="0">
+            <a:spAutoFit/>
+          </a:bodyPr>
+          <a:lstStyle/>
+          <a:p>
+            <a:r>
+              <a:rPr lang="en-US" sz="1200" dirty="0" smtClean="0">
+                <a:solidFill>
+                  <a:schemeClr val="bg1"/>
+                </a:solidFill>
+              </a:rPr>
+              <a:t>Binding</a:t>
+            </a:r>
+            <a:endParaRPr lang="en-US" sz="1200" dirty="0">
+              <a:solidFill>
+                <a:schemeClr val="bg1"/>
+              </a:solidFill>
+            </a:endParaRPr>
+          </a:p>
+        </p:txBody>
+      </p:sp>
+      <p:sp>
+        <p:nvSpPr>
+          <p:cNvPr id="59" name="TextBox 58"/>
+          <p:cNvSpPr txBox="1"/>
+          <p:nvPr/>
+        </p:nvSpPr>
+        <p:spPr>
+          <a:xfrm>
+            <a:off x="5915125" y="2071234"/>
+            <a:ext cx="775704" cy="276999"/>
+          </a:xfrm>
+          <a:prstGeom prst="rect">
+            <a:avLst/>
+          </a:prstGeom>
+          <a:noFill/>
+        </p:spPr>
+        <p:txBody>
+          <a:bodyPr wrap="square" rtlCol="0">
+            <a:spAutoFit/>
+          </a:bodyPr>
+          <a:lstStyle/>
+          <a:p>
+            <a:r>
+              <a:rPr lang="en-US" sz="1200" dirty="0" smtClean="0">
+                <a:solidFill>
+                  <a:schemeClr val="bg1"/>
+                </a:solidFill>
+              </a:rPr>
+              <a:t>Binding</a:t>
+            </a:r>
+            <a:endParaRPr lang="en-US" sz="1200" dirty="0">
+              <a:solidFill>
+                <a:schemeClr val="bg1"/>
+              </a:solidFill>
+            </a:endParaRPr>
+          </a:p>
+        </p:txBody>
+      </p:sp>
+      <p:sp>
+        <p:nvSpPr>
+          <p:cNvPr id="34" name="Flowchart: Document 33"/>
+          <p:cNvSpPr/>
+          <p:nvPr/>
+        </p:nvSpPr>
+        <p:spPr>
+          <a:xfrm>
+            <a:off x="6631366" y="2071233"/>
+            <a:ext cx="839976" cy="609600"/>
+          </a:xfrm>
+          <a:prstGeom prst="flowChartDocument">
+            <a:avLst/>
+          </a:prstGeom>
+          <a:solidFill>
+            <a:schemeClr val="bg1">
+              <a:lumMod val="65000"/>
+            </a:schemeClr>
+          </a:solidFill>
+          <a:ln>
+            <a:solidFill>
+              <a:schemeClr val="bg1"/>
+            </a:solidFill>
+          </a:ln>
+        </p:spPr>
+        <p:style>
+          <a:lnRef idx="2">
+            <a:schemeClr val="accent1">
+              <a:shade val="50000"/>
+            </a:schemeClr>
+          </a:lnRef>
+          <a:fillRef idx="1">
+            <a:schemeClr val="accent1"/>
+          </a:fillRef>
+          <a:effectRef idx="0">
+            <a:schemeClr val="accent1"/>
+          </a:effectRef>
+          <a:fontRef idx="minor">
+            <a:schemeClr val="lt1"/>
+          </a:fontRef>
+        </p:style>
+        <p:txBody>
+          <a:bodyPr rtlCol="0" anchor="ctr"/>
+          <a:lstStyle/>
+          <a:p>
+            <a:pPr algn="ctr"/>
+            <a:endParaRPr lang="en-US"/>
+          </a:p>
+        </p:txBody>
+      </p:sp>
+      <p:sp>
+        <p:nvSpPr>
+          <p:cNvPr id="35" name="TextBox 34"/>
+          <p:cNvSpPr txBox="1"/>
+          <p:nvPr/>
+        </p:nvSpPr>
+        <p:spPr>
+          <a:xfrm>
+            <a:off x="6631366" y="2071233"/>
+            <a:ext cx="839976" cy="276999"/>
+          </a:xfrm>
+          <a:prstGeom prst="rect">
+            <a:avLst/>
+          </a:prstGeom>
+          <a:noFill/>
+        </p:spPr>
+        <p:txBody>
+          <a:bodyPr wrap="square" rtlCol="0">
+            <a:spAutoFit/>
+          </a:bodyPr>
+          <a:lstStyle/>
+          <a:p>
+            <a:r>
+              <a:rPr lang="en-US" sz="1200" dirty="0" smtClean="0">
+                <a:solidFill>
+                  <a:schemeClr val="bg1"/>
+                </a:solidFill>
+              </a:rPr>
+              <a:t>Shiny</a:t>
+            </a:r>
+            <a:endParaRPr lang="en-US" sz="1200" dirty="0">
+              <a:solidFill>
+                <a:schemeClr val="bg1"/>
+              </a:solidFill>
+            </a:endParaRPr>
+          </a:p>
+        </p:txBody>
+      </p:sp>
+      <p:sp>
+        <p:nvSpPr>
+          <p:cNvPr id="8" name="Flowchart: Process 7"/>
+          <p:cNvSpPr/>
+          <p:nvPr/>
+        </p:nvSpPr>
+        <p:spPr>
+          <a:xfrm>
+            <a:off x="1384420" y="1409011"/>
+            <a:ext cx="1875768" cy="1347564"/>
+          </a:xfrm>
+          <a:prstGeom prst="flowChartProcess">
+            <a:avLst/>
+          </a:prstGeom>
+          <a:solidFill>
+            <a:schemeClr val="accent2">
+              <a:alpha val="57000"/>
+            </a:schemeClr>
+          </a:solidFill>
+          <a:ln>
+            <a:noFill/>
+          </a:ln>
+        </p:spPr>
+        <p:style>
+          <a:lnRef idx="2">
+            <a:schemeClr val="accent1">
+              <a:shade val="50000"/>
+            </a:schemeClr>
+          </a:lnRef>
+          <a:fillRef idx="1">
+            <a:schemeClr val="accent1"/>
+          </a:fillRef>
+          <a:effectRef idx="0">
+            <a:schemeClr val="accent1"/>
+          </a:effectRef>
+          <a:fontRef idx="minor">
+            <a:schemeClr val="lt1"/>
+          </a:fontRef>
+        </p:style>
+        <p:txBody>
+          <a:bodyPr rtlCol="0" anchor="ctr"/>
+          <a:lstStyle/>
+          <a:p>
+            <a:pPr algn="ctr"/>
+            <a:endParaRPr lang="en-US"/>
+          </a:p>
+        </p:txBody>
+      </p:sp>
+      <p:sp>
+        <p:nvSpPr>
+          <p:cNvPr id="5" name="Flowchart: Document 4"/>
+          <p:cNvSpPr/>
+          <p:nvPr/>
+        </p:nvSpPr>
+        <p:spPr>
+          <a:xfrm>
+            <a:off x="1447464" y="2070775"/>
+            <a:ext cx="839976" cy="609600"/>
+          </a:xfrm>
+          <a:prstGeom prst="flowChartDocument">
+            <a:avLst/>
+          </a:prstGeom>
+          <a:solidFill>
+            <a:schemeClr val="bg1">
+              <a:lumMod val="65000"/>
+            </a:schemeClr>
+          </a:solidFill>
+          <a:ln>
+            <a:solidFill>
+              <a:schemeClr val="bg1"/>
+            </a:solidFill>
+          </a:ln>
+        </p:spPr>
+        <p:style>
+          <a:lnRef idx="2">
+            <a:schemeClr val="accent1">
+              <a:shade val="50000"/>
+            </a:schemeClr>
+          </a:lnRef>
+          <a:fillRef idx="1">
+            <a:schemeClr val="accent1"/>
+          </a:fillRef>
+          <a:effectRef idx="0">
+            <a:schemeClr val="accent1"/>
+          </a:effectRef>
+          <a:fontRef idx="minor">
+            <a:schemeClr val="lt1"/>
+          </a:fontRef>
+        </p:style>
+        <p:txBody>
+          <a:bodyPr rtlCol="0" anchor="ctr"/>
+          <a:lstStyle/>
+          <a:p>
+            <a:pPr algn="ctr"/>
+            <a:endParaRPr lang="en-US"/>
+          </a:p>
+        </p:txBody>
+      </p:sp>
+      <p:sp>
+        <p:nvSpPr>
+          <p:cNvPr id="27" name="TextBox 26"/>
+          <p:cNvSpPr txBox="1"/>
+          <p:nvPr/>
+        </p:nvSpPr>
+        <p:spPr>
+          <a:xfrm>
+            <a:off x="1447464" y="2070775"/>
+            <a:ext cx="839976" cy="276999"/>
+          </a:xfrm>
+          <a:prstGeom prst="rect">
+            <a:avLst/>
+          </a:prstGeom>
+          <a:noFill/>
+        </p:spPr>
+        <p:txBody>
+          <a:bodyPr wrap="square" rtlCol="0">
+            <a:spAutoFit/>
+          </a:bodyPr>
+          <a:lstStyle/>
+          <a:p>
+            <a:r>
+              <a:rPr lang="en-US" sz="1200" dirty="0" smtClean="0">
+                <a:solidFill>
+                  <a:schemeClr val="bg1"/>
+                </a:solidFill>
+              </a:rPr>
+              <a:t>D3</a:t>
+            </a:r>
+            <a:endParaRPr lang="en-US" sz="1200" dirty="0">
+              <a:solidFill>
+                <a:schemeClr val="bg1"/>
+              </a:solidFill>
+            </a:endParaRPr>
+          </a:p>
+        </p:txBody>
+      </p:sp>
+      <p:sp>
+        <p:nvSpPr>
+          <p:cNvPr id="60" name="TextBox 59"/>
+          <p:cNvSpPr txBox="1"/>
+          <p:nvPr/>
+        </p:nvSpPr>
+        <p:spPr>
+          <a:xfrm>
+            <a:off x="1393886" y="1404546"/>
+            <a:ext cx="928418" cy="461665"/>
+          </a:xfrm>
+          <a:prstGeom prst="rect">
+            <a:avLst/>
+          </a:prstGeom>
+          <a:noFill/>
+        </p:spPr>
+        <p:txBody>
+          <a:bodyPr wrap="square" rtlCol="0">
+            <a:spAutoFit/>
+          </a:bodyPr>
+          <a:lstStyle/>
+          <a:p>
+            <a:r>
+              <a:rPr lang="en-US" sz="1200" dirty="0" smtClean="0">
+                <a:solidFill>
+                  <a:schemeClr val="bg1"/>
+                </a:solidFill>
+              </a:rPr>
+              <a:t>Interactive Graph</a:t>
+            </a:r>
+            <a:endParaRPr lang="en-US" sz="1200" dirty="0">
+              <a:solidFill>
+                <a:schemeClr val="bg1"/>
+              </a:solidFill>
+            </a:endParaRPr>
+          </a:p>
+        </p:txBody>
+      </p:sp>
+      <p:sp>
+        <p:nvSpPr>
+          <p:cNvPr id="61" name="Flowchart: Process 60"/>
+          <p:cNvSpPr/>
+          <p:nvPr/>
+        </p:nvSpPr>
+        <p:spPr>
+          <a:xfrm>
+            <a:off x="2331341" y="1409011"/>
+            <a:ext cx="1875768" cy="1347564"/>
+          </a:xfrm>
+          <a:prstGeom prst="flowChartProcess">
+            <a:avLst/>
+          </a:prstGeom>
+          <a:solidFill>
+            <a:schemeClr val="accent1">
+              <a:alpha val="57000"/>
+            </a:schemeClr>
+          </a:solidFill>
+          <a:ln>
+            <a:noFill/>
+          </a:ln>
+        </p:spPr>
+        <p:style>
+          <a:lnRef idx="2">
+            <a:schemeClr val="accent1">
+              <a:shade val="50000"/>
+            </a:schemeClr>
+          </a:lnRef>
+          <a:fillRef idx="1">
+            <a:schemeClr val="accent1"/>
+          </a:fillRef>
+          <a:effectRef idx="0">
+            <a:schemeClr val="accent1"/>
+          </a:effectRef>
+          <a:fontRef idx="minor">
+            <a:schemeClr val="lt1"/>
+          </a:fontRef>
+        </p:style>
+        <p:txBody>
+          <a:bodyPr rtlCol="0" anchor="ctr"/>
+          <a:lstStyle/>
+          <a:p>
+            <a:pPr algn="ctr"/>
+            <a:endParaRPr lang="en-US"/>
+          </a:p>
+        </p:txBody>
+      </p:sp>
+      <p:sp>
+        <p:nvSpPr>
+          <p:cNvPr id="62" name="TextBox 61"/>
+          <p:cNvSpPr txBox="1"/>
+          <p:nvPr/>
+        </p:nvSpPr>
+        <p:spPr>
+          <a:xfrm>
+            <a:off x="3272232" y="1404546"/>
+            <a:ext cx="1070832" cy="461665"/>
+          </a:xfrm>
+          <a:prstGeom prst="rect">
+            <a:avLst/>
+          </a:prstGeom>
+          <a:noFill/>
+        </p:spPr>
+        <p:txBody>
+          <a:bodyPr wrap="square" rtlCol="0">
+            <a:spAutoFit/>
+          </a:bodyPr>
+          <a:lstStyle/>
+          <a:p>
+            <a:r>
+              <a:rPr lang="en-US" sz="1200" dirty="0" smtClean="0">
+                <a:solidFill>
+                  <a:schemeClr val="bg1"/>
+                </a:solidFill>
+              </a:rPr>
+              <a:t>User Controls</a:t>
+            </a:r>
+            <a:endParaRPr lang="en-US" sz="1200" dirty="0">
+              <a:solidFill>
+                <a:schemeClr val="bg1"/>
+              </a:solidFill>
+            </a:endParaRPr>
+          </a:p>
+        </p:txBody>
+      </p:sp>
+      <p:sp>
+        <p:nvSpPr>
+          <p:cNvPr id="36" name="Flowchart: Document 35"/>
+          <p:cNvSpPr/>
+          <p:nvPr/>
+        </p:nvSpPr>
+        <p:spPr>
+          <a:xfrm>
+            <a:off x="3272232" y="2070775"/>
+            <a:ext cx="839976" cy="609600"/>
+          </a:xfrm>
+          <a:prstGeom prst="flowChartDocument">
+            <a:avLst/>
+          </a:prstGeom>
+          <a:solidFill>
+            <a:schemeClr val="bg1">
+              <a:lumMod val="65000"/>
+            </a:schemeClr>
+          </a:solidFill>
+          <a:ln>
+            <a:solidFill>
+              <a:schemeClr val="bg1"/>
+            </a:solidFill>
+          </a:ln>
+        </p:spPr>
+        <p:style>
+          <a:lnRef idx="2">
+            <a:schemeClr val="accent1">
+              <a:shade val="50000"/>
+            </a:schemeClr>
+          </a:lnRef>
+          <a:fillRef idx="1">
+            <a:schemeClr val="accent1"/>
+          </a:fillRef>
+          <a:effectRef idx="0">
+            <a:schemeClr val="accent1"/>
+          </a:effectRef>
+          <a:fontRef idx="minor">
+            <a:schemeClr val="lt1"/>
+          </a:fontRef>
+        </p:style>
+        <p:txBody>
+          <a:bodyPr rtlCol="0" anchor="ctr"/>
+          <a:lstStyle/>
+          <a:p>
+            <a:pPr algn="ctr"/>
+            <a:endParaRPr lang="en-US"/>
+          </a:p>
+        </p:txBody>
+      </p:sp>
+      <p:sp>
+        <p:nvSpPr>
+          <p:cNvPr id="57" name="TextBox 56"/>
+          <p:cNvSpPr txBox="1"/>
+          <p:nvPr/>
+        </p:nvSpPr>
+        <p:spPr>
+          <a:xfrm>
+            <a:off x="3272232" y="2070775"/>
+            <a:ext cx="839976" cy="276999"/>
+          </a:xfrm>
+          <a:prstGeom prst="rect">
+            <a:avLst/>
+          </a:prstGeom>
+          <a:noFill/>
+        </p:spPr>
+        <p:txBody>
+          <a:bodyPr wrap="square" rtlCol="0">
+            <a:spAutoFit/>
+          </a:bodyPr>
+          <a:lstStyle/>
+          <a:p>
+            <a:r>
+              <a:rPr lang="en-US" sz="1200" dirty="0" smtClean="0">
+                <a:solidFill>
+                  <a:schemeClr val="bg1"/>
+                </a:solidFill>
+              </a:rPr>
+              <a:t>Shiny</a:t>
+            </a:r>
+            <a:endParaRPr lang="en-US" sz="1200" dirty="0">
+              <a:solidFill>
+                <a:schemeClr val="bg1"/>
+              </a:solidFill>
+            </a:endParaRPr>
+          </a:p>
+        </p:txBody>
+      </p:sp>
+      <p:sp>
+        <p:nvSpPr>
+          <p:cNvPr id="28" name="Flowchart: Document 27"/>
+          <p:cNvSpPr/>
+          <p:nvPr/>
+        </p:nvSpPr>
+        <p:spPr>
+          <a:xfrm>
+            <a:off x="2361864" y="2070774"/>
+            <a:ext cx="839976" cy="609600"/>
+          </a:xfrm>
+          <a:prstGeom prst="flowChartDocument">
+            <a:avLst/>
+          </a:prstGeom>
+          <a:solidFill>
+            <a:schemeClr val="bg1">
+              <a:lumMod val="65000"/>
+            </a:schemeClr>
+          </a:solidFill>
+          <a:ln>
+            <a:solidFill>
+              <a:schemeClr val="bg1"/>
+            </a:solidFill>
+          </a:ln>
+        </p:spPr>
+        <p:style>
+          <a:lnRef idx="2">
+            <a:schemeClr val="accent1">
+              <a:shade val="50000"/>
+            </a:schemeClr>
+          </a:lnRef>
+          <a:fillRef idx="1">
+            <a:schemeClr val="accent1"/>
+          </a:fillRef>
+          <a:effectRef idx="0">
+            <a:schemeClr val="accent1"/>
+          </a:effectRef>
+          <a:fontRef idx="minor">
+            <a:schemeClr val="lt1"/>
+          </a:fontRef>
+        </p:style>
+        <p:txBody>
+          <a:bodyPr rtlCol="0" anchor="ctr"/>
+          <a:lstStyle/>
+          <a:p>
+            <a:pPr algn="ctr"/>
+            <a:endParaRPr lang="en-US"/>
+          </a:p>
+        </p:txBody>
+      </p:sp>
+      <p:sp>
+        <p:nvSpPr>
+          <p:cNvPr id="29" name="TextBox 28"/>
+          <p:cNvSpPr txBox="1"/>
+          <p:nvPr/>
+        </p:nvSpPr>
+        <p:spPr>
+          <a:xfrm>
+            <a:off x="2361864" y="2070774"/>
+            <a:ext cx="839976" cy="461665"/>
+          </a:xfrm>
+          <a:prstGeom prst="rect">
+            <a:avLst/>
+          </a:prstGeom>
+          <a:noFill/>
+        </p:spPr>
+        <p:txBody>
+          <a:bodyPr wrap="square" rtlCol="0">
+            <a:spAutoFit/>
+          </a:bodyPr>
+          <a:lstStyle/>
+          <a:p>
+            <a:r>
+              <a:rPr lang="en-US" sz="1200" dirty="0" err="1" smtClean="0">
+                <a:solidFill>
+                  <a:schemeClr val="bg1"/>
+                </a:solidFill>
+              </a:rPr>
+              <a:t>javascript</a:t>
+            </a:r>
+            <a:endParaRPr lang="en-US" sz="1200" dirty="0" smtClean="0">
+              <a:solidFill>
+                <a:schemeClr val="bg1"/>
+              </a:solidFill>
+            </a:endParaRPr>
+          </a:p>
+          <a:p>
+            <a:r>
+              <a:rPr lang="en-US" sz="1200" dirty="0" smtClean="0">
+                <a:solidFill>
+                  <a:schemeClr val="bg1"/>
+                </a:solidFill>
+              </a:rPr>
+              <a:t>(general)</a:t>
+            </a:r>
+            <a:endParaRPr lang="en-US" sz="1200" dirty="0">
+              <a:solidFill>
+                <a:schemeClr val="bg1"/>
+              </a:solidFill>
+            </a:endParaRPr>
+          </a:p>
+        </p:txBody>
+      </p:sp>
+      <p:pic>
+        <p:nvPicPr>
+          <p:cNvPr id="63" name="Picture 62"/>
+          <p:cNvPicPr/>
+          <p:nvPr/>
+        </p:nvPicPr>
+        <p:blipFill>
+          <a:blip r:embed="rId2"/>
+          <a:stretch>
+            <a:fillRect/>
+          </a:stretch>
+        </p:blipFill>
+        <p:spPr>
+          <a:xfrm>
+            <a:off x="7723130" y="1452139"/>
+            <a:ext cx="492301" cy="370942"/>
+          </a:xfrm>
+          <a:prstGeom prst="rect">
+            <a:avLst/>
+          </a:prstGeom>
+        </p:spPr>
+      </p:pic>
+      <p:sp>
+        <p:nvSpPr>
+          <p:cNvPr id="64" name="Flowchart: Process 63"/>
+          <p:cNvSpPr/>
+          <p:nvPr/>
+        </p:nvSpPr>
+        <p:spPr>
+          <a:xfrm>
+            <a:off x="7517390" y="2009111"/>
+            <a:ext cx="1828800" cy="1033170"/>
+          </a:xfrm>
+          <a:prstGeom prst="flowChartProcess">
+            <a:avLst/>
+          </a:prstGeom>
+          <a:solidFill>
+            <a:schemeClr val="accent3">
+              <a:alpha val="57000"/>
+            </a:schemeClr>
+          </a:solidFill>
+          <a:ln>
+            <a:noFill/>
+          </a:ln>
+        </p:spPr>
+        <p:style>
+          <a:lnRef idx="2">
+            <a:schemeClr val="accent1">
+              <a:shade val="50000"/>
+            </a:schemeClr>
+          </a:lnRef>
+          <a:fillRef idx="1">
+            <a:schemeClr val="accent1"/>
+          </a:fillRef>
+          <a:effectRef idx="0">
+            <a:schemeClr val="accent1"/>
+          </a:effectRef>
+          <a:fontRef idx="minor">
+            <a:schemeClr val="lt1"/>
+          </a:fontRef>
+        </p:style>
+        <p:txBody>
+          <a:bodyPr rtlCol="0" anchor="ctr"/>
+          <a:lstStyle/>
+          <a:p>
+            <a:pPr algn="ctr"/>
+            <a:endParaRPr lang="en-US"/>
+          </a:p>
+        </p:txBody>
+      </p:sp>
+      <p:sp>
+        <p:nvSpPr>
+          <p:cNvPr id="65" name="TextBox 64"/>
+          <p:cNvSpPr txBox="1"/>
+          <p:nvPr/>
+        </p:nvSpPr>
+        <p:spPr>
+          <a:xfrm>
+            <a:off x="7511780" y="2765282"/>
+            <a:ext cx="2011723" cy="276999"/>
+          </a:xfrm>
+          <a:prstGeom prst="rect">
+            <a:avLst/>
+          </a:prstGeom>
+          <a:noFill/>
+        </p:spPr>
+        <p:txBody>
+          <a:bodyPr wrap="square" rtlCol="0">
+            <a:spAutoFit/>
+          </a:bodyPr>
+          <a:lstStyle/>
+          <a:p>
+            <a:r>
+              <a:rPr lang="en-US" sz="1200" dirty="0" smtClean="0">
+                <a:solidFill>
+                  <a:schemeClr val="bg1"/>
+                </a:solidFill>
+              </a:rPr>
+              <a:t>Data formatting</a:t>
+            </a:r>
+            <a:endParaRPr lang="en-US" sz="1200" dirty="0">
+              <a:solidFill>
+                <a:schemeClr val="bg1"/>
+              </a:solidFill>
+            </a:endParaRPr>
+          </a:p>
+        </p:txBody>
+      </p:sp>
+      <p:sp>
+        <p:nvSpPr>
+          <p:cNvPr id="30" name="Flowchart: Document 29"/>
+          <p:cNvSpPr/>
+          <p:nvPr/>
+        </p:nvSpPr>
+        <p:spPr>
+          <a:xfrm>
+            <a:off x="8467534" y="2071234"/>
+            <a:ext cx="839976" cy="609600"/>
+          </a:xfrm>
+          <a:prstGeom prst="flowChartDocument">
+            <a:avLst/>
+          </a:prstGeom>
+          <a:solidFill>
+            <a:schemeClr val="bg1">
+              <a:lumMod val="65000"/>
+            </a:schemeClr>
+          </a:solidFill>
+          <a:ln>
+            <a:solidFill>
+              <a:schemeClr val="bg1"/>
+            </a:solidFill>
+          </a:ln>
+        </p:spPr>
+        <p:style>
+          <a:lnRef idx="2">
+            <a:schemeClr val="accent1">
+              <a:shade val="50000"/>
+            </a:schemeClr>
+          </a:lnRef>
+          <a:fillRef idx="1">
+            <a:schemeClr val="accent1"/>
+          </a:fillRef>
+          <a:effectRef idx="0">
+            <a:schemeClr val="accent1"/>
+          </a:effectRef>
+          <a:fontRef idx="minor">
+            <a:schemeClr val="lt1"/>
+          </a:fontRef>
+        </p:style>
+        <p:txBody>
+          <a:bodyPr rtlCol="0" anchor="ctr"/>
+          <a:lstStyle/>
+          <a:p>
+            <a:pPr algn="ctr"/>
+            <a:endParaRPr lang="en-US"/>
+          </a:p>
+        </p:txBody>
+      </p:sp>
+      <p:sp>
+        <p:nvSpPr>
+          <p:cNvPr id="31" name="TextBox 30"/>
+          <p:cNvSpPr txBox="1"/>
+          <p:nvPr/>
+        </p:nvSpPr>
+        <p:spPr>
+          <a:xfrm>
+            <a:off x="8467534" y="2071234"/>
+            <a:ext cx="839976" cy="276999"/>
+          </a:xfrm>
+          <a:prstGeom prst="rect">
+            <a:avLst/>
+          </a:prstGeom>
+          <a:noFill/>
+        </p:spPr>
+        <p:txBody>
+          <a:bodyPr wrap="square" rtlCol="0">
+            <a:spAutoFit/>
+          </a:bodyPr>
+          <a:lstStyle/>
+          <a:p>
+            <a:r>
+              <a:rPr lang="en-US" sz="1200" dirty="0" err="1" smtClean="0">
+                <a:solidFill>
+                  <a:schemeClr val="bg1"/>
+                </a:solidFill>
+              </a:rPr>
+              <a:t>rjson</a:t>
+            </a:r>
+            <a:endParaRPr lang="en-US" sz="1200" dirty="0">
+              <a:solidFill>
+                <a:schemeClr val="bg1"/>
+              </a:solidFill>
+            </a:endParaRPr>
+          </a:p>
+        </p:txBody>
+      </p:sp>
+      <p:sp>
+        <p:nvSpPr>
+          <p:cNvPr id="32" name="Flowchart: Document 31"/>
+          <p:cNvSpPr/>
+          <p:nvPr/>
+        </p:nvSpPr>
+        <p:spPr>
+          <a:xfrm>
+            <a:off x="7554910" y="2071233"/>
+            <a:ext cx="839976" cy="609600"/>
+          </a:xfrm>
+          <a:prstGeom prst="flowChartDocument">
+            <a:avLst/>
+          </a:prstGeom>
+          <a:solidFill>
+            <a:schemeClr val="bg1">
+              <a:lumMod val="65000"/>
+            </a:schemeClr>
+          </a:solidFill>
+          <a:ln>
+            <a:solidFill>
+              <a:schemeClr val="bg1"/>
+            </a:solidFill>
+          </a:ln>
+        </p:spPr>
+        <p:style>
+          <a:lnRef idx="2">
+            <a:schemeClr val="accent1">
+              <a:shade val="50000"/>
+            </a:schemeClr>
+          </a:lnRef>
+          <a:fillRef idx="1">
+            <a:schemeClr val="accent1"/>
+          </a:fillRef>
+          <a:effectRef idx="0">
+            <a:schemeClr val="accent1"/>
+          </a:effectRef>
+          <a:fontRef idx="minor">
+            <a:schemeClr val="lt1"/>
+          </a:fontRef>
+        </p:style>
+        <p:txBody>
+          <a:bodyPr rtlCol="0" anchor="ctr"/>
+          <a:lstStyle/>
+          <a:p>
+            <a:pPr algn="ctr"/>
+            <a:endParaRPr lang="en-US"/>
+          </a:p>
+        </p:txBody>
+      </p:sp>
+      <p:sp>
+        <p:nvSpPr>
+          <p:cNvPr id="33" name="TextBox 32"/>
+          <p:cNvSpPr txBox="1"/>
+          <p:nvPr/>
+        </p:nvSpPr>
+        <p:spPr>
+          <a:xfrm>
+            <a:off x="7554910" y="2071233"/>
+            <a:ext cx="839976" cy="276999"/>
+          </a:xfrm>
+          <a:prstGeom prst="rect">
+            <a:avLst/>
+          </a:prstGeom>
+          <a:noFill/>
+        </p:spPr>
+        <p:txBody>
+          <a:bodyPr wrap="square" rtlCol="0">
+            <a:spAutoFit/>
+          </a:bodyPr>
+          <a:lstStyle/>
+          <a:p>
+            <a:r>
+              <a:rPr lang="en-US" sz="1200" dirty="0" err="1" smtClean="0">
+                <a:solidFill>
+                  <a:schemeClr val="bg1"/>
+                </a:solidFill>
+              </a:rPr>
+              <a:t>igraph</a:t>
+            </a:r>
+            <a:endParaRPr lang="en-US" sz="1200" dirty="0">
+              <a:solidFill>
+                <a:schemeClr val="bg1"/>
+              </a:solidFill>
+            </a:endParaRPr>
+          </a:p>
+        </p:txBody>
+      </p:sp>
+      <p:sp>
+        <p:nvSpPr>
+          <p:cNvPr id="10" name="Left Brace 9"/>
+          <p:cNvSpPr/>
+          <p:nvPr/>
+        </p:nvSpPr>
+        <p:spPr>
+          <a:xfrm rot="5400000">
+            <a:off x="7864235" y="606028"/>
+            <a:ext cx="210403" cy="2676145"/>
+          </a:xfrm>
+          <a:prstGeom prst="leftBrace">
+            <a:avLst/>
+          </a:prstGeom>
+          <a:ln w="19050">
+            <a:solidFill>
+              <a:schemeClr val="tx1">
+                <a:lumMod val="50000"/>
+                <a:lumOff val="50000"/>
+              </a:schemeClr>
+            </a:solidFill>
+          </a:ln>
+        </p:spPr>
+        <p:style>
+          <a:lnRef idx="1">
+            <a:schemeClr val="accent1"/>
+          </a:lnRef>
+          <a:fillRef idx="0">
+            <a:schemeClr val="accent1"/>
+          </a:fillRef>
+          <a:effectRef idx="0">
+            <a:schemeClr val="accent1"/>
+          </a:effectRef>
+          <a:fontRef idx="minor">
+            <a:schemeClr val="tx1"/>
+          </a:fontRef>
+        </p:style>
+        <p:txBody>
+          <a:bodyPr rtlCol="0" anchor="ctr"/>
+          <a:lstStyle/>
+          <a:p>
+            <a:pPr algn="ctr"/>
+            <a:endParaRPr lang="en-US"/>
+          </a:p>
+        </p:txBody>
+      </p:sp>
+      <p:cxnSp>
+        <p:nvCxnSpPr>
+          <p:cNvPr id="12" name="Straight Arrow Connector 11"/>
+          <p:cNvCxnSpPr/>
+          <p:nvPr/>
+        </p:nvCxnSpPr>
+        <p:spPr>
+          <a:xfrm>
+            <a:off x="4819872" y="2163819"/>
+            <a:ext cx="1093476" cy="460"/>
+          </a:xfrm>
+          <a:prstGeom prst="straightConnector1">
+            <a:avLst/>
+          </a:prstGeom>
+          <a:ln w="25400">
+            <a:solidFill>
+              <a:schemeClr val="tx1">
+                <a:lumMod val="65000"/>
+                <a:lumOff val="35000"/>
+              </a:schemeClr>
+            </a:solidFill>
+            <a:headEnd type="none" w="lg" len="med"/>
+            <a:tailEnd type="triangle" w="lg" len="med"/>
+          </a:ln>
+        </p:spPr>
+        <p:style>
+          <a:lnRef idx="1">
+            <a:schemeClr val="accent1"/>
+          </a:lnRef>
+          <a:fillRef idx="0">
+            <a:schemeClr val="accent1"/>
+          </a:fillRef>
+          <a:effectRef idx="0">
+            <a:schemeClr val="accent1"/>
+          </a:effectRef>
+          <a:fontRef idx="minor">
+            <a:schemeClr val="tx1"/>
+          </a:fontRef>
+        </p:style>
+      </p:cxnSp>
+      <p:cxnSp>
+        <p:nvCxnSpPr>
+          <p:cNvPr id="66" name="Straight Arrow Connector 65"/>
+          <p:cNvCxnSpPr/>
+          <p:nvPr/>
+        </p:nvCxnSpPr>
+        <p:spPr>
+          <a:xfrm>
+            <a:off x="4811712" y="2402479"/>
+            <a:ext cx="1093476" cy="460"/>
+          </a:xfrm>
+          <a:prstGeom prst="straightConnector1">
+            <a:avLst/>
+          </a:prstGeom>
+          <a:ln w="25400">
+            <a:solidFill>
+              <a:schemeClr val="tx1">
+                <a:lumMod val="65000"/>
+                <a:lumOff val="35000"/>
+              </a:schemeClr>
+            </a:solidFill>
+            <a:headEnd type="triangle" w="lg" len="med"/>
+            <a:tailEnd type="none" w="lg" len="med"/>
+          </a:ln>
+        </p:spPr>
+        <p:style>
+          <a:lnRef idx="1">
+            <a:schemeClr val="accent1"/>
+          </a:lnRef>
+          <a:fillRef idx="0">
+            <a:schemeClr val="accent1"/>
+          </a:fillRef>
+          <a:effectRef idx="0">
+            <a:schemeClr val="accent1"/>
+          </a:effectRef>
+          <a:fontRef idx="minor">
+            <a:schemeClr val="tx1"/>
+          </a:fontRef>
+        </p:style>
+      </p:cxnSp>
     </p:spTree>
   </p:cSld>
+  <p:clrMapOvr>
+    <a:masterClrMapping/>
+  </p:clrMapOvr>
   <p:timing>
     <p:tnLst>
       <p:par>
-        <p:cTn dur="indefinite" id="1" nodeType="tmRoot" restart="never">
+        <p:cTn id="1" dur="indefinite" restart="never" nodeType="tmRoot">
           <p:childTnLst>
             <p:seq>
               <p:cTn id="2" nodeType="mainSeq"/>
               <p:prevCondLst>
-                <p:cond delay="0" evt="onPrev">
+                <p:cond evt="onPrev" delay="0">
                   <p:tgtEl>
                     <p:sldTgt/>
                   </p:tgtEl>
                 </p:cond>
               </p:prevCondLst>
               <p:nextCondLst>
-                <p:cond delay="0" evt="onNext">
+                <p:cond evt="onNext" delay="0">
                   <p:tgtEl>
                     <p:sldTgt/>
                   </p:tgtEl>
@@ -2228,5 +4103,7 @@
       </a:bgFillStyleLst>
     </a:fmtScheme>
   </a:themeElements>
+  <a:objectDefaults/>
+  <a:extraClrSchemeLst/>
 </a:theme>
 </file>